--- a/Project_NYP.pptx
+++ b/Project_NYP.pptx
@@ -237,7 +237,7 @@
           <a:p>
             <a:fld id="{024CA754-2DA6-4370-99C6-01D5632D8BBA}" type="datetimeFigureOut">
               <a:rPr lang="de-DE" smtClean="0"/>
-              <a:t>13.12.2022</a:t>
+              <a:t>14.12.2022</a:t>
             </a:fld>
             <a:endParaRPr lang="de-DE" dirty="0"/>
           </a:p>
@@ -402,7 +402,7 @@
           <a:p>
             <a:fld id="{7ABC80B5-342F-40FA-9D65-D1F3251EA5D8}" type="datetimeFigureOut">
               <a:rPr lang="de-DE" smtClean="0"/>
-              <a:t>13.12.2022</a:t>
+              <a:t>14.12.2022</a:t>
             </a:fld>
             <a:endParaRPr lang="de-DE" dirty="0"/>
           </a:p>
@@ -765,85 +765,8 @@
           <a:p>
             <a:r>
               <a:rPr lang="de-DE" dirty="0"/>
-              <a:t>A </a:t>
-            </a:r>
-            <a:r>
-              <a:rPr lang="de-DE" dirty="0" err="1"/>
-              <a:t>good</a:t>
-            </a:r>
-            <a:r>
-              <a:rPr lang="de-DE" dirty="0"/>
-              <a:t> </a:t>
-            </a:r>
-            <a:r>
-              <a:rPr lang="de-DE" dirty="0" err="1"/>
-              <a:t>database</a:t>
-            </a:r>
-            <a:r>
-              <a:rPr lang="de-DE" dirty="0"/>
-              <a:t> </a:t>
-            </a:r>
-            <a:r>
-              <a:rPr lang="de-DE" dirty="0" err="1"/>
-              <a:t>of</a:t>
-            </a:r>
-            <a:r>
-              <a:rPr lang="de-DE" dirty="0"/>
-              <a:t> </a:t>
-            </a:r>
-            <a:r>
-              <a:rPr lang="de-DE" dirty="0" err="1"/>
-              <a:t>images</a:t>
-            </a:r>
-            <a:r>
-              <a:rPr lang="de-DE" dirty="0"/>
-              <a:t> </a:t>
-            </a:r>
-            <a:r>
-              <a:rPr lang="de-DE" dirty="0" err="1"/>
-              <a:t>of</a:t>
-            </a:r>
-            <a:r>
-              <a:rPr lang="de-DE" dirty="0"/>
-              <a:t> </a:t>
-            </a:r>
-            <a:r>
-              <a:rPr lang="de-DE" dirty="0" err="1"/>
-              <a:t>these</a:t>
-            </a:r>
-            <a:r>
-              <a:rPr lang="de-DE" dirty="0"/>
-              <a:t> wall </a:t>
-            </a:r>
-            <a:r>
-              <a:rPr lang="de-DE" dirty="0" err="1"/>
-              <a:t>defects</a:t>
-            </a:r>
-            <a:r>
-              <a:rPr lang="de-DE" dirty="0"/>
-              <a:t> </a:t>
-            </a:r>
-            <a:r>
-              <a:rPr lang="de-DE" dirty="0" err="1"/>
-              <a:t>would</a:t>
-            </a:r>
-            <a:r>
-              <a:rPr lang="de-DE" dirty="0"/>
-              <a:t> </a:t>
-            </a:r>
-            <a:r>
-              <a:rPr lang="de-DE" dirty="0" err="1"/>
-              <a:t>be</a:t>
-            </a:r>
-            <a:r>
-              <a:rPr lang="de-DE" dirty="0"/>
-              <a:t> </a:t>
-            </a:r>
-            <a:r>
-              <a:rPr lang="de-DE" dirty="0" err="1"/>
-              <a:t>needed</a:t>
-            </a:r>
-            <a:endParaRPr lang="de-DE" dirty="0"/>
+              <a:t>A good database of images of these wall defects would be needed</a:t>
+            </a:r>
           </a:p>
         </p:txBody>
       </p:sp>
@@ -1291,10 +1214,9 @@
           <a:p>
             <a:pPr algn="ctr"/>
             <a:r>
-              <a:rPr lang="de-DE"/>
+              <a:rPr lang="de-DE" dirty="0"/>
               <a:t>13.12.2022</a:t>
             </a:r>
-            <a:endParaRPr lang="de-DE" dirty="0"/>
           </a:p>
         </p:txBody>
       </p:sp>
@@ -1314,10 +1236,9 @@
           <a:lstStyle/>
           <a:p>
             <a:r>
-              <a:rPr lang="de-DE"/>
+              <a:rPr lang="de-DE" dirty="0"/>
               <a:t>Korbinian Weidacher 3TRH</a:t>
             </a:r>
-            <a:endParaRPr lang="de-DE" dirty="0"/>
           </a:p>
         </p:txBody>
       </p:sp>
@@ -2702,10 +2623,9 @@
           <a:p>
             <a:pPr algn="ctr"/>
             <a:r>
-              <a:rPr lang="de-DE"/>
+              <a:rPr lang="de-DE" dirty="0"/>
               <a:t>13.12.2022</a:t>
             </a:r>
-            <a:endParaRPr lang="de-DE" dirty="0"/>
           </a:p>
         </p:txBody>
       </p:sp>
@@ -2725,10 +2645,9 @@
           <a:lstStyle/>
           <a:p>
             <a:r>
-              <a:rPr lang="de-DE"/>
+              <a:rPr lang="de-DE" dirty="0"/>
               <a:t>Korbinian Weidacher 3TRH</a:t>
             </a:r>
-            <a:endParaRPr lang="de-DE" dirty="0"/>
           </a:p>
         </p:txBody>
       </p:sp>
@@ -2996,10 +2915,9 @@
           <a:p>
             <a:pPr algn="ctr"/>
             <a:r>
-              <a:rPr lang="de-DE"/>
+              <a:rPr lang="de-DE" dirty="0"/>
               <a:t>13.12.2022</a:t>
             </a:r>
-            <a:endParaRPr lang="de-DE" dirty="0"/>
           </a:p>
         </p:txBody>
       </p:sp>
@@ -3019,10 +2937,9 @@
           <a:lstStyle/>
           <a:p>
             <a:r>
-              <a:rPr lang="de-DE"/>
+              <a:rPr lang="de-DE" dirty="0"/>
               <a:t>Korbinian Weidacher 3TRH</a:t>
             </a:r>
-            <a:endParaRPr lang="de-DE" dirty="0"/>
           </a:p>
         </p:txBody>
       </p:sp>
@@ -3295,10 +3212,9 @@
           <a:p>
             <a:pPr algn="ctr"/>
             <a:r>
-              <a:rPr lang="de-DE"/>
+              <a:rPr lang="de-DE" dirty="0"/>
               <a:t>13.12.2022</a:t>
             </a:r>
-            <a:endParaRPr lang="de-DE" dirty="0"/>
           </a:p>
         </p:txBody>
       </p:sp>
@@ -3318,10 +3234,9 @@
           <a:lstStyle/>
           <a:p>
             <a:r>
-              <a:rPr lang="de-DE"/>
+              <a:rPr lang="de-DE" dirty="0"/>
               <a:t>Korbinian Weidacher 3TRH</a:t>
             </a:r>
-            <a:endParaRPr lang="de-DE" dirty="0"/>
           </a:p>
         </p:txBody>
       </p:sp>
@@ -3641,10 +3556,9 @@
           <a:p>
             <a:pPr algn="ctr"/>
             <a:r>
-              <a:rPr lang="de-DE"/>
+              <a:rPr lang="de-DE" dirty="0"/>
               <a:t>13.12.2022</a:t>
             </a:r>
-            <a:endParaRPr lang="de-DE" dirty="0"/>
           </a:p>
         </p:txBody>
       </p:sp>
@@ -3664,10 +3578,9 @@
           <a:lstStyle/>
           <a:p>
             <a:r>
-              <a:rPr lang="de-DE"/>
+              <a:rPr lang="de-DE" dirty="0"/>
               <a:t>Korbinian Weidacher 3TRH</a:t>
             </a:r>
-            <a:endParaRPr lang="de-DE" dirty="0"/>
           </a:p>
         </p:txBody>
       </p:sp>
@@ -4023,10 +3936,9 @@
           <a:p>
             <a:pPr algn="ctr"/>
             <a:r>
-              <a:rPr lang="de-DE"/>
+              <a:rPr lang="de-DE" dirty="0"/>
               <a:t>13.12.2022</a:t>
             </a:r>
-            <a:endParaRPr lang="de-DE" dirty="0"/>
           </a:p>
         </p:txBody>
       </p:sp>
@@ -4046,10 +3958,9 @@
           <a:lstStyle/>
           <a:p>
             <a:r>
-              <a:rPr lang="de-DE"/>
+              <a:rPr lang="de-DE" dirty="0"/>
               <a:t>Korbinian Weidacher 3TRH</a:t>
             </a:r>
-            <a:endParaRPr lang="de-DE" dirty="0"/>
           </a:p>
         </p:txBody>
       </p:sp>
@@ -4677,10 +4588,9 @@
           <a:p>
             <a:pPr algn="ctr"/>
             <a:r>
-              <a:rPr lang="de-DE"/>
+              <a:rPr lang="de-DE" dirty="0"/>
               <a:t>13.12.2022</a:t>
             </a:r>
-            <a:endParaRPr lang="de-DE" dirty="0"/>
           </a:p>
         </p:txBody>
       </p:sp>
@@ -4700,10 +4610,9 @@
           <a:lstStyle/>
           <a:p>
             <a:r>
-              <a:rPr lang="de-DE"/>
+              <a:rPr lang="de-DE" dirty="0"/>
               <a:t>Korbinian Weidacher 3TRH</a:t>
             </a:r>
-            <a:endParaRPr lang="de-DE" dirty="0"/>
           </a:p>
         </p:txBody>
       </p:sp>
@@ -5180,10 +5089,9 @@
           <a:p>
             <a:pPr algn="ctr"/>
             <a:r>
-              <a:rPr lang="de-DE"/>
+              <a:rPr lang="de-DE" dirty="0"/>
               <a:t>13.12.2022</a:t>
             </a:r>
-            <a:endParaRPr lang="de-DE" dirty="0"/>
           </a:p>
         </p:txBody>
       </p:sp>
@@ -5203,10 +5111,9 @@
           <a:lstStyle/>
           <a:p>
             <a:r>
-              <a:rPr lang="de-DE"/>
+              <a:rPr lang="de-DE" dirty="0"/>
               <a:t>Korbinian Weidacher 3TRH</a:t>
             </a:r>
-            <a:endParaRPr lang="de-DE" dirty="0"/>
           </a:p>
         </p:txBody>
       </p:sp>
@@ -6398,10 +6305,9 @@
           <a:p>
             <a:pPr algn="ctr"/>
             <a:r>
-              <a:rPr lang="de-DE"/>
+              <a:rPr lang="de-DE" dirty="0"/>
               <a:t>13.12.2022</a:t>
             </a:r>
-            <a:endParaRPr lang="de-DE" dirty="0"/>
           </a:p>
         </p:txBody>
       </p:sp>
@@ -6421,10 +6327,9 @@
           <a:lstStyle/>
           <a:p>
             <a:r>
-              <a:rPr lang="de-DE" noProof="0"/>
+              <a:rPr lang="de-DE" noProof="0" dirty="0"/>
               <a:t>Korbinian Weidacher 3TRH</a:t>
             </a:r>
-            <a:endParaRPr lang="de-DE" noProof="0" dirty="0"/>
           </a:p>
         </p:txBody>
       </p:sp>
@@ -6814,10 +6719,9 @@
           <a:p>
             <a:pPr algn="ctr"/>
             <a:r>
-              <a:rPr lang="de-DE"/>
+              <a:rPr lang="de-DE" dirty="0"/>
               <a:t>13.12.2022</a:t>
             </a:r>
-            <a:endParaRPr lang="de-DE" dirty="0"/>
           </a:p>
         </p:txBody>
       </p:sp>
@@ -6837,10 +6741,9 @@
           <a:lstStyle/>
           <a:p>
             <a:r>
-              <a:rPr lang="de-DE"/>
+              <a:rPr lang="de-DE" dirty="0"/>
               <a:t>Korbinian Weidacher 3TRH</a:t>
             </a:r>
-            <a:endParaRPr lang="de-DE" dirty="0"/>
           </a:p>
         </p:txBody>
       </p:sp>
@@ -7133,10 +7036,9 @@
           <a:p>
             <a:pPr algn="ctr"/>
             <a:r>
-              <a:rPr lang="de-DE"/>
+              <a:rPr lang="de-DE" dirty="0"/>
               <a:t>13.12.2022</a:t>
             </a:r>
-            <a:endParaRPr lang="de-DE" dirty="0"/>
           </a:p>
         </p:txBody>
       </p:sp>
@@ -7156,10 +7058,9 @@
           <a:lstStyle/>
           <a:p>
             <a:r>
-              <a:rPr lang="de-DE"/>
+              <a:rPr lang="de-DE" dirty="0"/>
               <a:t>Korbinian Weidacher 3TRH</a:t>
             </a:r>
-            <a:endParaRPr lang="de-DE" dirty="0"/>
           </a:p>
         </p:txBody>
       </p:sp>
@@ -7442,10 +7343,9 @@
           <a:p>
             <a:pPr algn="ctr"/>
             <a:r>
-              <a:rPr lang="de-DE"/>
+              <a:rPr lang="de-DE" dirty="0"/>
               <a:t>13.12.2022</a:t>
             </a:r>
-            <a:endParaRPr lang="de-DE" dirty="0"/>
           </a:p>
         </p:txBody>
       </p:sp>
@@ -7465,10 +7365,9 @@
           <a:lstStyle/>
           <a:p>
             <a:r>
-              <a:rPr lang="de-DE"/>
+              <a:rPr lang="de-DE" dirty="0"/>
               <a:t>Korbinian Weidacher 3TRH</a:t>
             </a:r>
-            <a:endParaRPr lang="de-DE" dirty="0"/>
           </a:p>
         </p:txBody>
       </p:sp>
@@ -7915,10 +7814,9 @@
           <a:p>
             <a:pPr algn="ctr"/>
             <a:r>
-              <a:rPr lang="de-DE"/>
+              <a:rPr lang="de-DE" dirty="0"/>
               <a:t>13.12.2022</a:t>
             </a:r>
-            <a:endParaRPr lang="de-DE" dirty="0"/>
           </a:p>
         </p:txBody>
       </p:sp>
@@ -7938,10 +7836,9 @@
           <a:lstStyle/>
           <a:p>
             <a:r>
-              <a:rPr lang="de-DE"/>
+              <a:rPr lang="de-DE" dirty="0"/>
               <a:t>Korbinian Weidacher 3TRH</a:t>
             </a:r>
-            <a:endParaRPr lang="de-DE" dirty="0"/>
           </a:p>
         </p:txBody>
       </p:sp>
@@ -8526,10 +8423,9 @@
           <a:p>
             <a:pPr algn="ctr"/>
             <a:r>
-              <a:rPr lang="de-DE"/>
+              <a:rPr lang="de-DE" dirty="0"/>
               <a:t>13.12.2022</a:t>
             </a:r>
-            <a:endParaRPr lang="de-DE" dirty="0"/>
           </a:p>
         </p:txBody>
       </p:sp>
@@ -8549,10 +8445,9 @@
           <a:lstStyle/>
           <a:p>
             <a:r>
-              <a:rPr lang="de-DE"/>
+              <a:rPr lang="de-DE" dirty="0"/>
               <a:t>Korbinian Weidacher 3TRH</a:t>
             </a:r>
-            <a:endParaRPr lang="de-DE" dirty="0"/>
           </a:p>
         </p:txBody>
       </p:sp>
@@ -8716,10 +8611,9 @@
           <a:p>
             <a:pPr algn="ctr"/>
             <a:r>
-              <a:rPr lang="de-DE"/>
+              <a:rPr lang="de-DE" dirty="0"/>
               <a:t>13.12.2022</a:t>
             </a:r>
-            <a:endParaRPr lang="de-DE" dirty="0"/>
           </a:p>
         </p:txBody>
       </p:sp>
@@ -8739,10 +8633,9 @@
           <a:lstStyle/>
           <a:p>
             <a:r>
-              <a:rPr lang="de-DE"/>
+              <a:rPr lang="de-DE" dirty="0"/>
               <a:t>Korbinian Weidacher 3TRH</a:t>
             </a:r>
-            <a:endParaRPr lang="de-DE" dirty="0"/>
           </a:p>
         </p:txBody>
       </p:sp>
@@ -9185,10 +9078,9 @@
           <a:p>
             <a:pPr algn="ctr"/>
             <a:r>
-              <a:rPr lang="de-DE"/>
+              <a:rPr lang="de-DE" dirty="0"/>
               <a:t>13.12.2022</a:t>
             </a:r>
-            <a:endParaRPr lang="de-DE" dirty="0"/>
           </a:p>
         </p:txBody>
       </p:sp>
@@ -9224,10 +9116,9 @@
           </a:lstStyle>
           <a:p>
             <a:r>
-              <a:rPr lang="de-DE"/>
+              <a:rPr lang="de-DE" dirty="0"/>
               <a:t>Korbinian Weidacher 3TRH</a:t>
             </a:r>
-            <a:endParaRPr lang="de-DE" dirty="0"/>
           </a:p>
         </p:txBody>
       </p:sp>
@@ -9749,7 +9640,7 @@
           <a:bodyPr/>
           <a:lstStyle/>
           <a:p>
-            <a:endParaRPr lang="de-DE"/>
+            <a:endParaRPr lang="de-DE" dirty="0"/>
           </a:p>
         </p:txBody>
       </p:sp>
@@ -9774,7 +9665,7 @@
           <a:bodyPr/>
           <a:lstStyle/>
           <a:p>
-            <a:endParaRPr lang="de-DE"/>
+            <a:endParaRPr lang="de-DE" dirty="0"/>
           </a:p>
         </p:txBody>
       </p:sp>
@@ -9800,42 +9691,25 @@
           <a:lstStyle/>
           <a:p>
             <a:r>
-              <a:rPr lang="de-DE" dirty="0"/>
-              <a:t>Building </a:t>
-            </a:r>
-            <a:r>
-              <a:rPr lang="de-DE" dirty="0" err="1"/>
-              <a:t>Inspection</a:t>
-            </a:r>
-            <a:r>
-              <a:rPr lang="de-DE" dirty="0"/>
-              <a:t> </a:t>
+              <a:rPr lang="en-GB" noProof="0" dirty="0"/>
+              <a:t>Building Inspection </a:t>
             </a:r>
             <a:br>
-              <a:rPr lang="de-DE" dirty="0"/>
+              <a:rPr lang="en-GB" noProof="0" dirty="0"/>
             </a:br>
             <a:r>
-              <a:rPr lang="de-DE" dirty="0" err="1"/>
-              <a:t>with</a:t>
-            </a:r>
-            <a:r>
-              <a:rPr lang="de-DE" dirty="0"/>
-              <a:t> </a:t>
-            </a:r>
-            <a:r>
-              <a:rPr lang="de-DE" dirty="0" err="1"/>
-              <a:t>Drones</a:t>
-            </a:r>
-            <a:endParaRPr lang="de-DE" dirty="0"/>
-          </a:p>
-        </p:txBody>
-      </p:sp>
-      <p:sp>
-        <p:nvSpPr>
-          <p:cNvPr id="5" name="RS_Classification_Special">
+              <a:rPr lang="en-GB" noProof="0" dirty="0"/>
+              <a:t>with Drones</a:t>
+            </a:r>
+          </a:p>
+        </p:txBody>
+      </p:sp>
+      <p:sp>
+        <p:nvSpPr>
+          <p:cNvPr id="7" name="RS_Classification_Special">
             <a:extLst>
               <a:ext uri="{FF2B5EF4-FFF2-40B4-BE49-F238E27FC236}">
-                <a16:creationId xmlns:a16="http://schemas.microsoft.com/office/drawing/2014/main" id="{1B5E139F-D041-4100-9F12-D36B141D9712}"/>
+                <a16:creationId xmlns:a16="http://schemas.microsoft.com/office/drawing/2014/main" id="{360A8E47-29DC-44BD-A944-CD9340BBF6E0}"/>
               </a:ext>
             </a:extLst>
           </p:cNvPr>
@@ -9844,14 +9718,16 @@
         </p:nvSpPr>
         <p:spPr>
           <a:xfrm>
-            <a:off x="7411923" y="4832341"/>
-            <a:ext cx="1732077" cy="211083"/>
+            <a:off x="8991329" y="4832341"/>
+            <a:ext cx="152671" cy="211083"/>
           </a:xfrm>
           <a:prstGeom prst="rect">
             <a:avLst/>
           </a:prstGeom>
           <a:solidFill>
-            <a:srgbClr val="F8F8F8"/>
+            <a:srgbClr val="FFFFFF">
+              <a:alpha val="0"/>
+            </a:srgbClr>
           </a:solidFill>
         </p:spPr>
         <p:txBody>
@@ -9860,14 +9736,6 @@
           </a:bodyPr>
           <a:lstStyle/>
           <a:p>
-            <a:r>
-              <a:rPr lang="de-DE" sz="900" b="1" kern="100" spc="100">
-                <a:solidFill>
-                  <a:srgbClr val="000000"/>
-                </a:solidFill>
-              </a:rPr>
-              <a:t>COMPANY RESTRICTED</a:t>
-            </a:r>
             <a:endParaRPr lang="de-DE" sz="900" b="1" kern="100" spc="100" dirty="0" err="1">
               <a:solidFill>
                 <a:srgbClr val="000000"/>
@@ -9943,7 +9811,7 @@
           <a:lstStyle/>
           <a:p>
             <a:r>
-              <a:rPr lang="de-DE" dirty="0"/>
+              <a:rPr lang="en-GB" noProof="0" dirty="0"/>
               <a:t>Link Collection</a:t>
             </a:r>
           </a:p>
@@ -9971,48 +9839,48 @@
           <a:lstStyle/>
           <a:p>
             <a:r>
-              <a:rPr lang="de-DE" dirty="0">
+              <a:rPr lang="en-GB" noProof="0" dirty="0">
                 <a:hlinkClick r:id="rId3"/>
               </a:rPr>
               <a:t>https://www.kaggle.com/code/carloalbertobarbano/vgg16-transfer-learning-pytorch</a:t>
             </a:r>
-            <a:endParaRPr lang="de-DE" dirty="0"/>
-          </a:p>
-          <a:p>
-            <a:r>
-              <a:rPr lang="de-DE" dirty="0">
+            <a:endParaRPr lang="en-GB" noProof="0" dirty="0"/>
+          </a:p>
+          <a:p>
+            <a:r>
+              <a:rPr lang="en-GB" noProof="0" dirty="0">
                 <a:hlinkClick r:id="rId4"/>
               </a:rPr>
               <a:t>https://www.mathworks.com/discovery/convolutional-neural-network-matlab.html</a:t>
             </a:r>
-            <a:endParaRPr lang="de-DE" dirty="0"/>
-          </a:p>
-          <a:p>
-            <a:r>
-              <a:rPr lang="de-DE" dirty="0">
+            <a:endParaRPr lang="en-GB" noProof="0" dirty="0"/>
+          </a:p>
+          <a:p>
+            <a:r>
+              <a:rPr lang="en-GB" noProof="0" dirty="0">
                 <a:hlinkClick r:id="rId5"/>
               </a:rPr>
               <a:t>https://image-net.org/</a:t>
             </a:r>
-            <a:endParaRPr lang="de-DE" dirty="0"/>
-          </a:p>
-          <a:p>
-            <a:r>
-              <a:rPr lang="de-DE" dirty="0">
+            <a:endParaRPr lang="en-GB" noProof="0" dirty="0"/>
+          </a:p>
+          <a:p>
+            <a:r>
+              <a:rPr lang="en-GB" noProof="0" dirty="0">
                 <a:hlinkClick r:id="rId6"/>
               </a:rPr>
               <a:t>http://gradcam.cloudcv.org/</a:t>
             </a:r>
-            <a:endParaRPr lang="de-DE" dirty="0"/>
-          </a:p>
-          <a:p>
-            <a:r>
-              <a:rPr lang="de-DE">
+            <a:endParaRPr lang="en-GB" noProof="0" dirty="0"/>
+          </a:p>
+          <a:p>
+            <a:r>
+              <a:rPr lang="en-GB" noProof="0" dirty="0">
                 <a:hlinkClick r:id="rId7"/>
               </a:rPr>
               <a:t>https://digitalcommons.usu.edu/all_datasets/48/</a:t>
             </a:r>
-            <a:endParaRPr lang="de-DE"/>
+            <a:endParaRPr lang="en-GB" noProof="0" dirty="0"/>
           </a:p>
         </p:txBody>
       </p:sp>
@@ -10039,10 +9907,9 @@
           <a:p>
             <a:pPr algn="ctr"/>
             <a:r>
-              <a:rPr lang="de-DE"/>
+              <a:rPr lang="de-DE" dirty="0"/>
               <a:t>13.12.2022</a:t>
             </a:r>
-            <a:endParaRPr lang="de-DE" dirty="0"/>
           </a:p>
         </p:txBody>
       </p:sp>
@@ -10068,10 +9935,9 @@
           <a:lstStyle/>
           <a:p>
             <a:r>
-              <a:rPr lang="de-DE"/>
+              <a:rPr lang="de-DE" dirty="0"/>
               <a:t>Korbinian Weidacher 3TRH</a:t>
             </a:r>
-            <a:endParaRPr lang="de-DE" dirty="0"/>
           </a:p>
         </p:txBody>
       </p:sp>
@@ -10126,16 +9992,16 @@
           <a:bodyPr/>
           <a:lstStyle/>
           <a:p>
-            <a:endParaRPr lang="de-DE"/>
-          </a:p>
-        </p:txBody>
-      </p:sp>
-      <p:sp>
-        <p:nvSpPr>
-          <p:cNvPr id="8" name="RS_Classification_Special">
+            <a:endParaRPr lang="de-DE" dirty="0"/>
+          </a:p>
+        </p:txBody>
+      </p:sp>
+      <p:sp>
+        <p:nvSpPr>
+          <p:cNvPr id="10" name="RS_Classification_Special">
             <a:extLst>
               <a:ext uri="{FF2B5EF4-FFF2-40B4-BE49-F238E27FC236}">
-                <a16:creationId xmlns:a16="http://schemas.microsoft.com/office/drawing/2014/main" id="{EA104CFE-2EDC-43B6-8413-00A646654C83}"/>
+                <a16:creationId xmlns:a16="http://schemas.microsoft.com/office/drawing/2014/main" id="{C716089C-E1AF-4C61-9926-231269F2D4DD}"/>
               </a:ext>
             </a:extLst>
           </p:cNvPr>
@@ -10144,14 +10010,16 @@
         </p:nvSpPr>
         <p:spPr>
           <a:xfrm>
-            <a:off x="7411923" y="4832341"/>
-            <a:ext cx="1732077" cy="211083"/>
+            <a:off x="8991329" y="4832341"/>
+            <a:ext cx="152671" cy="211083"/>
           </a:xfrm>
           <a:prstGeom prst="rect">
             <a:avLst/>
           </a:prstGeom>
           <a:solidFill>
-            <a:srgbClr val="F8F8F8"/>
+            <a:srgbClr val="FFFFFF">
+              <a:alpha val="0"/>
+            </a:srgbClr>
           </a:solidFill>
         </p:spPr>
         <p:txBody>
@@ -10160,14 +10028,6 @@
           </a:bodyPr>
           <a:lstStyle/>
           <a:p>
-            <a:r>
-              <a:rPr lang="de-DE" sz="900" b="1" kern="100" spc="100">
-                <a:solidFill>
-                  <a:srgbClr val="000000"/>
-                </a:solidFill>
-              </a:rPr>
-              <a:t>COMPANY RESTRICTED</a:t>
-            </a:r>
             <a:endParaRPr lang="de-DE" sz="900" b="1" kern="100" spc="100" dirty="0" err="1">
               <a:solidFill>
                 <a:srgbClr val="000000"/>
@@ -10273,50 +10133,9 @@
           <a:lstStyle/>
           <a:p>
             <a:r>
-              <a:rPr lang="de-DE" dirty="0" err="1"/>
-              <a:t>Detection</a:t>
-            </a:r>
-            <a:r>
-              <a:rPr lang="de-DE" dirty="0"/>
-              <a:t> </a:t>
-            </a:r>
-            <a:r>
-              <a:rPr lang="de-DE" dirty="0" err="1"/>
-              <a:t>of</a:t>
-            </a:r>
-            <a:r>
-              <a:rPr lang="de-DE" dirty="0"/>
-              <a:t> wall </a:t>
-            </a:r>
-            <a:r>
-              <a:rPr lang="de-DE" dirty="0" err="1"/>
-              <a:t>damages</a:t>
-            </a:r>
-            <a:r>
-              <a:rPr lang="de-DE" dirty="0"/>
-              <a:t> </a:t>
-            </a:r>
-            <a:r>
-              <a:rPr lang="de-DE" dirty="0" err="1"/>
-              <a:t>with</a:t>
-            </a:r>
-            <a:r>
-              <a:rPr lang="de-DE" dirty="0"/>
-              <a:t> </a:t>
-            </a:r>
-            <a:r>
-              <a:rPr lang="de-DE" dirty="0" err="1"/>
-              <a:t>deep</a:t>
-            </a:r>
-            <a:r>
-              <a:rPr lang="de-DE" dirty="0"/>
-              <a:t> </a:t>
-            </a:r>
-            <a:r>
-              <a:rPr lang="de-DE" dirty="0" err="1"/>
-              <a:t>learning</a:t>
-            </a:r>
-            <a:endParaRPr lang="de-DE" dirty="0"/>
+              <a:rPr lang="en-GB" noProof="0" dirty="0"/>
+              <a:t>Detection of wall damages with deep learning</a:t>
+            </a:r>
           </a:p>
         </p:txBody>
       </p:sp>
@@ -10342,299 +10161,44 @@
           <a:lstStyle/>
           <a:p>
             <a:r>
-              <a:rPr lang="de-DE" dirty="0" err="1"/>
-              <a:t>Using</a:t>
-            </a:r>
-            <a:r>
-              <a:rPr lang="de-DE" dirty="0"/>
-              <a:t> a </a:t>
-            </a:r>
-            <a:r>
-              <a:rPr lang="de-DE" dirty="0" err="1"/>
-              <a:t>convolutional</a:t>
-            </a:r>
-            <a:r>
-              <a:rPr lang="de-DE" dirty="0"/>
-              <a:t> </a:t>
-            </a:r>
-            <a:r>
-              <a:rPr lang="de-DE" dirty="0" err="1"/>
-              <a:t>neural</a:t>
-            </a:r>
-            <a:r>
-              <a:rPr lang="de-DE" dirty="0"/>
-              <a:t> network (CNN)</a:t>
+              <a:rPr lang="en-GB" noProof="0" dirty="0"/>
+              <a:t>Using a convolutional neural network (CNN)</a:t>
             </a:r>
           </a:p>
           <a:p>
             <a:pPr lvl="1"/>
             <a:r>
-              <a:rPr lang="de-DE" dirty="0" err="1"/>
-              <a:t>Shared</a:t>
-            </a:r>
-            <a:r>
-              <a:rPr lang="de-DE" dirty="0"/>
-              <a:t> </a:t>
-            </a:r>
-            <a:r>
-              <a:rPr lang="de-DE" dirty="0" err="1"/>
-              <a:t>weights</a:t>
-            </a:r>
-            <a:r>
-              <a:rPr lang="de-DE" dirty="0"/>
-              <a:t> and </a:t>
-            </a:r>
-            <a:r>
-              <a:rPr lang="de-DE" dirty="0" err="1"/>
-              <a:t>bias</a:t>
-            </a:r>
-            <a:r>
-              <a:rPr lang="de-DE" dirty="0"/>
-              <a:t> </a:t>
-            </a:r>
-            <a:r>
-              <a:rPr lang="de-DE" dirty="0" err="1"/>
-              <a:t>values</a:t>
-            </a:r>
-            <a:r>
-              <a:rPr lang="de-DE" dirty="0"/>
-              <a:t> </a:t>
-            </a:r>
-            <a:r>
-              <a:rPr lang="de-DE" dirty="0" err="1"/>
-              <a:t>the</a:t>
-            </a:r>
-            <a:r>
-              <a:rPr lang="de-DE" dirty="0"/>
-              <a:t> network </a:t>
-            </a:r>
-            <a:r>
-              <a:rPr lang="de-DE" dirty="0" err="1"/>
-              <a:t>detects</a:t>
-            </a:r>
-            <a:r>
-              <a:rPr lang="de-DE" dirty="0"/>
-              <a:t> </a:t>
-            </a:r>
-            <a:r>
-              <a:rPr lang="de-DE" dirty="0" err="1"/>
-              <a:t>the</a:t>
-            </a:r>
-            <a:r>
-              <a:rPr lang="de-DE" dirty="0"/>
-              <a:t> </a:t>
-            </a:r>
-            <a:r>
-              <a:rPr lang="de-DE" dirty="0" err="1"/>
-              <a:t>trained</a:t>
-            </a:r>
-            <a:r>
-              <a:rPr lang="de-DE" dirty="0"/>
-              <a:t> </a:t>
-            </a:r>
-            <a:r>
-              <a:rPr lang="de-DE" dirty="0" err="1"/>
-              <a:t>object</a:t>
-            </a:r>
-            <a:r>
-              <a:rPr lang="de-DE" dirty="0"/>
-              <a:t> </a:t>
-            </a:r>
-            <a:r>
-              <a:rPr lang="de-DE" dirty="0" err="1"/>
-              <a:t>wherever</a:t>
-            </a:r>
-            <a:r>
-              <a:rPr lang="de-DE" dirty="0"/>
-              <a:t> </a:t>
-            </a:r>
-            <a:r>
-              <a:rPr lang="de-DE" dirty="0" err="1"/>
-              <a:t>it</a:t>
-            </a:r>
-            <a:r>
-              <a:rPr lang="de-DE" dirty="0"/>
-              <a:t> </a:t>
-            </a:r>
-            <a:r>
-              <a:rPr lang="de-DE" dirty="0" err="1"/>
-              <a:t>is</a:t>
-            </a:r>
-            <a:r>
-              <a:rPr lang="de-DE" dirty="0"/>
-              <a:t>. A traditional </a:t>
-            </a:r>
-            <a:r>
-              <a:rPr lang="de-DE" dirty="0" err="1"/>
-              <a:t>neural</a:t>
-            </a:r>
-            <a:r>
-              <a:rPr lang="de-DE" dirty="0"/>
-              <a:t> network </a:t>
-            </a:r>
-            <a:r>
-              <a:rPr lang="de-DE" dirty="0" err="1"/>
-              <a:t>needs</a:t>
-            </a:r>
-            <a:r>
-              <a:rPr lang="de-DE" dirty="0"/>
-              <a:t> </a:t>
-            </a:r>
-            <a:r>
-              <a:rPr lang="de-DE" dirty="0" err="1"/>
-              <a:t>fixed</a:t>
-            </a:r>
-            <a:r>
-              <a:rPr lang="de-DE" dirty="0"/>
-              <a:t> </a:t>
-            </a:r>
-            <a:r>
-              <a:rPr lang="de-DE" dirty="0" err="1"/>
-              <a:t>positions</a:t>
-            </a:r>
-            <a:endParaRPr lang="de-DE" dirty="0"/>
-          </a:p>
-          <a:p>
-            <a:r>
-              <a:rPr lang="de-DE" dirty="0"/>
+              <a:rPr lang="en-GB" noProof="0" dirty="0"/>
+              <a:t>Shared weights and bias values the network detects the trained object wherever it is. A traditional neural network needs fixed positions</a:t>
+            </a:r>
+          </a:p>
+          <a:p>
+            <a:r>
+              <a:rPr lang="en-GB" noProof="0" dirty="0"/>
               <a:t>VGG16</a:t>
             </a:r>
           </a:p>
           <a:p>
             <a:pPr lvl="1"/>
             <a:r>
-              <a:rPr lang="de-DE" dirty="0" err="1"/>
-              <a:t>Using</a:t>
-            </a:r>
-            <a:r>
-              <a:rPr lang="de-DE" dirty="0"/>
-              <a:t> a </a:t>
-            </a:r>
-            <a:r>
-              <a:rPr lang="de-DE" dirty="0" err="1"/>
-              <a:t>pretrained</a:t>
-            </a:r>
-            <a:r>
-              <a:rPr lang="de-DE" dirty="0"/>
-              <a:t> </a:t>
-            </a:r>
-            <a:r>
-              <a:rPr lang="de-DE" dirty="0" err="1"/>
-              <a:t>model</a:t>
-            </a:r>
-            <a:r>
-              <a:rPr lang="de-DE" dirty="0"/>
-              <a:t> so </a:t>
-            </a:r>
-            <a:r>
-              <a:rPr lang="de-DE" dirty="0" err="1"/>
-              <a:t>we</a:t>
-            </a:r>
-            <a:r>
-              <a:rPr lang="de-DE" dirty="0"/>
-              <a:t> </a:t>
-            </a:r>
-            <a:r>
-              <a:rPr lang="de-DE" dirty="0" err="1"/>
-              <a:t>don‘t</a:t>
-            </a:r>
-            <a:r>
-              <a:rPr lang="de-DE" dirty="0"/>
-              <a:t> </a:t>
-            </a:r>
-            <a:r>
-              <a:rPr lang="de-DE" dirty="0" err="1"/>
-              <a:t>have</a:t>
-            </a:r>
-            <a:r>
-              <a:rPr lang="de-DE" dirty="0"/>
-              <a:t> </a:t>
-            </a:r>
-            <a:r>
-              <a:rPr lang="de-DE" dirty="0" err="1"/>
-              <a:t>to</a:t>
-            </a:r>
-            <a:endParaRPr lang="de-DE" dirty="0"/>
+              <a:rPr lang="en-GB" noProof="0" dirty="0"/>
+              <a:t>Using a pretrained model so we don‘t have to</a:t>
+            </a:r>
           </a:p>
           <a:p>
             <a:pPr marL="450000" lvl="2" indent="0">
               <a:buNone/>
             </a:pPr>
             <a:r>
-              <a:rPr lang="de-DE" dirty="0" err="1"/>
-              <a:t>train</a:t>
-            </a:r>
-            <a:r>
-              <a:rPr lang="de-DE" dirty="0"/>
-              <a:t> </a:t>
-            </a:r>
-            <a:r>
-              <a:rPr lang="de-DE" dirty="0" err="1"/>
-              <a:t>it</a:t>
-            </a:r>
-            <a:r>
-              <a:rPr lang="de-DE" dirty="0"/>
-              <a:t> </a:t>
-            </a:r>
-            <a:r>
-              <a:rPr lang="de-DE" dirty="0" err="1"/>
-              <a:t>from</a:t>
-            </a:r>
-            <a:r>
-              <a:rPr lang="de-DE" dirty="0"/>
-              <a:t> </a:t>
-            </a:r>
-            <a:r>
-              <a:rPr lang="de-DE" dirty="0" err="1"/>
-              <a:t>scratch</a:t>
-            </a:r>
-            <a:endParaRPr lang="de-DE" dirty="0"/>
+              <a:rPr lang="en-GB" noProof="0" dirty="0"/>
+              <a:t>train it from scratch</a:t>
+            </a:r>
           </a:p>
           <a:p>
             <a:pPr lvl="1"/>
             <a:r>
-              <a:rPr lang="de-DE" dirty="0"/>
-              <a:t>VGG16 </a:t>
-            </a:r>
-            <a:r>
-              <a:rPr lang="de-DE" dirty="0" err="1"/>
-              <a:t>is</a:t>
-            </a:r>
-            <a:r>
-              <a:rPr lang="de-DE" dirty="0"/>
-              <a:t> </a:t>
-            </a:r>
-            <a:r>
-              <a:rPr lang="de-DE" dirty="0" err="1"/>
-              <a:t>trained</a:t>
-            </a:r>
-            <a:r>
-              <a:rPr lang="de-DE" dirty="0"/>
-              <a:t> on </a:t>
-            </a:r>
-            <a:r>
-              <a:rPr lang="de-DE" dirty="0" err="1"/>
-              <a:t>the</a:t>
-            </a:r>
-            <a:r>
-              <a:rPr lang="de-DE" dirty="0"/>
-              <a:t> </a:t>
-            </a:r>
-            <a:r>
-              <a:rPr lang="de-DE" dirty="0" err="1"/>
-              <a:t>ImageNet</a:t>
-            </a:r>
-            <a:r>
-              <a:rPr lang="de-DE" dirty="0"/>
-              <a:t> </a:t>
-            </a:r>
-            <a:r>
-              <a:rPr lang="de-DE" dirty="0" err="1"/>
-              <a:t>dataset</a:t>
-            </a:r>
-            <a:r>
-              <a:rPr lang="de-DE" dirty="0"/>
-              <a:t> </a:t>
+              <a:rPr lang="en-GB" noProof="0" dirty="0"/>
+              <a:t>VGG16 is trained on the ImageNet dataset </a:t>
             </a:r>
           </a:p>
           <a:p>
@@ -10642,76 +10206,22 @@
               <a:buNone/>
             </a:pPr>
             <a:r>
-              <a:rPr lang="de-DE" dirty="0" err="1"/>
-              <a:t>over</a:t>
-            </a:r>
-            <a:r>
-              <a:rPr lang="de-DE" dirty="0"/>
-              <a:t> 14 </a:t>
-            </a:r>
-            <a:r>
-              <a:rPr lang="de-DE" dirty="0" err="1"/>
-              <a:t>million</a:t>
-            </a:r>
-            <a:r>
-              <a:rPr lang="de-DE" dirty="0"/>
-              <a:t> </a:t>
-            </a:r>
-            <a:r>
-              <a:rPr lang="de-DE" dirty="0" err="1"/>
-              <a:t>images</a:t>
-            </a:r>
-            <a:endParaRPr lang="de-DE" dirty="0"/>
+              <a:rPr lang="en-GB" noProof="0" dirty="0"/>
+              <a:t>over 14 million images</a:t>
+            </a:r>
           </a:p>
           <a:p>
             <a:pPr lvl="1"/>
             <a:r>
-              <a:rPr lang="de-DE" dirty="0"/>
-              <a:t>Train </a:t>
-            </a:r>
-            <a:r>
-              <a:rPr lang="de-DE" dirty="0" err="1"/>
-              <a:t>the</a:t>
-            </a:r>
-            <a:r>
-              <a:rPr lang="de-DE" dirty="0"/>
-              <a:t> fully </a:t>
-            </a:r>
-            <a:r>
-              <a:rPr lang="de-DE" dirty="0" err="1"/>
-              <a:t>connected</a:t>
-            </a:r>
-            <a:r>
-              <a:rPr lang="de-DE" dirty="0"/>
-              <a:t> network </a:t>
-            </a:r>
-            <a:r>
-              <a:rPr lang="de-DE" dirty="0" err="1"/>
-              <a:t>with</a:t>
-            </a:r>
-            <a:r>
-              <a:rPr lang="de-DE" dirty="0"/>
-              <a:t> </a:t>
-            </a:r>
-            <a:r>
-              <a:rPr lang="de-DE" dirty="0" err="1"/>
-              <a:t>the</a:t>
-            </a:r>
-            <a:r>
-              <a:rPr lang="de-DE" dirty="0"/>
-              <a:t> wall crack </a:t>
-            </a:r>
-            <a:r>
-              <a:rPr lang="de-DE" dirty="0" err="1"/>
-              <a:t>dataset</a:t>
-            </a:r>
-            <a:endParaRPr lang="de-DE" dirty="0"/>
+              <a:rPr lang="en-GB" noProof="0" dirty="0"/>
+              <a:t>Train the fully connected network with the wall crack dataset</a:t>
+            </a:r>
           </a:p>
           <a:p>
             <a:pPr marL="270000" lvl="1" indent="0">
               <a:buNone/>
             </a:pPr>
-            <a:endParaRPr lang="de-DE" dirty="0"/>
+            <a:endParaRPr lang="en-GB" noProof="0" dirty="0"/>
           </a:p>
         </p:txBody>
       </p:sp>
@@ -10738,10 +10248,9 @@
           <a:p>
             <a:pPr algn="ctr"/>
             <a:r>
-              <a:rPr lang="de-DE"/>
+              <a:rPr lang="de-DE" dirty="0"/>
               <a:t>13.12.2022</a:t>
             </a:r>
-            <a:endParaRPr lang="de-DE" dirty="0"/>
           </a:p>
         </p:txBody>
       </p:sp>
@@ -10767,10 +10276,9 @@
           <a:lstStyle/>
           <a:p>
             <a:r>
-              <a:rPr lang="de-DE"/>
+              <a:rPr lang="de-DE" dirty="0"/>
               <a:t>Korbinian Weidacher 3TRH</a:t>
             </a:r>
-            <a:endParaRPr lang="de-DE" dirty="0"/>
           </a:p>
         </p:txBody>
       </p:sp>
@@ -10825,16 +10333,16 @@
           <a:bodyPr/>
           <a:lstStyle/>
           <a:p>
-            <a:endParaRPr lang="de-DE"/>
-          </a:p>
-        </p:txBody>
-      </p:sp>
-      <p:sp>
-        <p:nvSpPr>
-          <p:cNvPr id="9" name="RS_Classification_Special">
+            <a:endParaRPr lang="de-DE" dirty="0"/>
+          </a:p>
+        </p:txBody>
+      </p:sp>
+      <p:sp>
+        <p:nvSpPr>
+          <p:cNvPr id="11" name="RS_Classification_Special">
             <a:extLst>
               <a:ext uri="{FF2B5EF4-FFF2-40B4-BE49-F238E27FC236}">
-                <a16:creationId xmlns:a16="http://schemas.microsoft.com/office/drawing/2014/main" id="{8AF1BDEA-85EA-434D-BD4C-4232EF421FA3}"/>
+                <a16:creationId xmlns:a16="http://schemas.microsoft.com/office/drawing/2014/main" id="{7E82E653-1FB1-49AA-BF27-8178DB965E9A}"/>
               </a:ext>
             </a:extLst>
           </p:cNvPr>
@@ -10843,14 +10351,16 @@
         </p:nvSpPr>
         <p:spPr>
           <a:xfrm>
-            <a:off x="7411923" y="4832341"/>
-            <a:ext cx="1732077" cy="211083"/>
+            <a:off x="8991329" y="4832341"/>
+            <a:ext cx="152671" cy="211083"/>
           </a:xfrm>
           <a:prstGeom prst="rect">
             <a:avLst/>
           </a:prstGeom>
           <a:solidFill>
-            <a:srgbClr val="F8F8F8"/>
+            <a:srgbClr val="FFFFFF">
+              <a:alpha val="0"/>
+            </a:srgbClr>
           </a:solidFill>
         </p:spPr>
         <p:txBody>
@@ -10859,14 +10369,6 @@
           </a:bodyPr>
           <a:lstStyle/>
           <a:p>
-            <a:r>
-              <a:rPr lang="de-DE" sz="900" b="1" kern="100" spc="100">
-                <a:solidFill>
-                  <a:srgbClr val="000000"/>
-                </a:solidFill>
-              </a:rPr>
-              <a:t>COMPANY RESTRICTED</a:t>
-            </a:r>
             <a:endParaRPr lang="de-DE" sz="900" b="1" kern="100" spc="100" dirty="0" err="1">
               <a:solidFill>
                 <a:srgbClr val="000000"/>
@@ -10942,7 +10444,7 @@
           <a:lstStyle/>
           <a:p>
             <a:r>
-              <a:rPr lang="de-DE" dirty="0"/>
+              <a:rPr lang="en-GB" noProof="0" dirty="0"/>
               <a:t>VGG16 Model</a:t>
             </a:r>
           </a:p>
@@ -10971,10 +10473,9 @@
           <a:p>
             <a:pPr algn="ctr"/>
             <a:r>
-              <a:rPr lang="de-DE"/>
+              <a:rPr lang="de-DE" dirty="0"/>
               <a:t>13.12.2022</a:t>
             </a:r>
-            <a:endParaRPr lang="de-DE" dirty="0"/>
           </a:p>
         </p:txBody>
       </p:sp>
@@ -11000,10 +10501,9 @@
           <a:lstStyle/>
           <a:p>
             <a:r>
-              <a:rPr lang="de-DE"/>
+              <a:rPr lang="de-DE" dirty="0"/>
               <a:t>Korbinian Weidacher 3TRH</a:t>
             </a:r>
-            <a:endParaRPr lang="de-DE" dirty="0"/>
           </a:p>
         </p:txBody>
       </p:sp>
@@ -11058,7 +10558,7 @@
           <a:bodyPr/>
           <a:lstStyle/>
           <a:p>
-            <a:endParaRPr lang="de-DE"/>
+            <a:endParaRPr lang="de-DE" dirty="0"/>
           </a:p>
         </p:txBody>
       </p:sp>
@@ -11165,10 +10665,10 @@
       </p:sp>
       <p:sp>
         <p:nvSpPr>
-          <p:cNvPr id="3" name="RS_Classification_Special">
+          <p:cNvPr id="10" name="RS_Classification_Special">
             <a:extLst>
               <a:ext uri="{FF2B5EF4-FFF2-40B4-BE49-F238E27FC236}">
-                <a16:creationId xmlns:a16="http://schemas.microsoft.com/office/drawing/2014/main" id="{0B09FE7E-08F9-4715-B1B7-6D51311B42FF}"/>
+                <a16:creationId xmlns:a16="http://schemas.microsoft.com/office/drawing/2014/main" id="{225DBBC9-EA44-4DF9-A182-A47AAE9DEDE1}"/>
               </a:ext>
             </a:extLst>
           </p:cNvPr>
@@ -11177,14 +10677,16 @@
         </p:nvSpPr>
         <p:spPr>
           <a:xfrm>
-            <a:off x="7411923" y="4832341"/>
-            <a:ext cx="1732077" cy="211083"/>
+            <a:off x="8991329" y="4832341"/>
+            <a:ext cx="152671" cy="211083"/>
           </a:xfrm>
           <a:prstGeom prst="rect">
             <a:avLst/>
           </a:prstGeom>
           <a:solidFill>
-            <a:srgbClr val="F8F8F8"/>
+            <a:srgbClr val="FFFFFF">
+              <a:alpha val="0"/>
+            </a:srgbClr>
           </a:solidFill>
         </p:spPr>
         <p:txBody>
@@ -11193,14 +10695,6 @@
           </a:bodyPr>
           <a:lstStyle/>
           <a:p>
-            <a:r>
-              <a:rPr lang="de-DE" sz="900" b="1" kern="100" spc="100">
-                <a:solidFill>
-                  <a:srgbClr val="000000"/>
-                </a:solidFill>
-              </a:rPr>
-              <a:t>COMPANY RESTRICTED</a:t>
-            </a:r>
             <a:endParaRPr lang="de-DE" sz="900" b="1" kern="100" spc="100" dirty="0" err="1">
               <a:solidFill>
                 <a:srgbClr val="000000"/>
@@ -11276,7 +10770,7 @@
           <a:lstStyle/>
           <a:p>
             <a:r>
-              <a:rPr lang="de-DE" dirty="0"/>
+              <a:rPr lang="en-GB" noProof="0" dirty="0"/>
               <a:t>Dataset</a:t>
             </a:r>
           </a:p>
@@ -11304,50 +10798,21 @@
           <a:lstStyle/>
           <a:p>
             <a:r>
-              <a:rPr lang="de-DE" dirty="0" err="1"/>
-              <a:t>Concrete</a:t>
-            </a:r>
-            <a:r>
-              <a:rPr lang="de-DE" dirty="0"/>
-              <a:t> crack </a:t>
-            </a:r>
-            <a:r>
-              <a:rPr lang="de-DE" dirty="0" err="1"/>
-              <a:t>dataset</a:t>
-            </a:r>
-            <a:r>
-              <a:rPr lang="de-DE" dirty="0"/>
-              <a:t> </a:t>
-            </a:r>
-            <a:r>
-              <a:rPr lang="de-DE" dirty="0" err="1"/>
-              <a:t>from</a:t>
-            </a:r>
-            <a:r>
-              <a:rPr lang="de-DE" dirty="0"/>
-              <a:t> </a:t>
-            </a:r>
-            <a:r>
-              <a:rPr lang="de-DE" dirty="0" err="1"/>
-              <a:t>the</a:t>
-            </a:r>
-            <a:r>
-              <a:rPr lang="de-DE" dirty="0"/>
-              <a:t> Utah State University</a:t>
-            </a:r>
-          </a:p>
-          <a:p>
-            <a:r>
-              <a:rPr lang="en-US" dirty="0"/>
+              <a:rPr lang="en-GB" noProof="0" dirty="0"/>
+              <a:t>Concrete crack dataset from the Utah State University</a:t>
+            </a:r>
+          </a:p>
+          <a:p>
+            <a:r>
+              <a:rPr lang="en-GB" noProof="0" dirty="0"/>
               <a:t>56,000 images of cracked and non-cracked concrete bridge decks, walls, and pavements</a:t>
             </a:r>
           </a:p>
           <a:p>
             <a:r>
-              <a:rPr lang="en-US" dirty="0"/>
+              <a:rPr lang="en-GB" noProof="0" dirty="0"/>
               <a:t>Really easy to download</a:t>
             </a:r>
-            <a:endParaRPr lang="de-DE" dirty="0"/>
           </a:p>
         </p:txBody>
       </p:sp>
@@ -11374,10 +10839,9 @@
           <a:p>
             <a:pPr algn="ctr"/>
             <a:r>
-              <a:rPr lang="de-DE"/>
+              <a:rPr lang="de-DE" dirty="0"/>
               <a:t>13.12.2022</a:t>
             </a:r>
-            <a:endParaRPr lang="de-DE" dirty="0"/>
           </a:p>
         </p:txBody>
       </p:sp>
@@ -11403,10 +10867,9 @@
           <a:lstStyle/>
           <a:p>
             <a:r>
-              <a:rPr lang="de-DE"/>
+              <a:rPr lang="de-DE" dirty="0"/>
               <a:t>Korbinian Weidacher 3TRH</a:t>
             </a:r>
-            <a:endParaRPr lang="de-DE" dirty="0"/>
           </a:p>
         </p:txBody>
       </p:sp>
@@ -11461,16 +10924,124 @@
           <a:bodyPr/>
           <a:lstStyle/>
           <a:p>
-            <a:endParaRPr lang="de-DE"/>
-          </a:p>
-        </p:txBody>
-      </p:sp>
-      <p:sp>
-        <p:nvSpPr>
-          <p:cNvPr id="8" name="RS_Classification_Special">
+            <a:endParaRPr lang="de-DE" dirty="0"/>
+          </a:p>
+        </p:txBody>
+      </p:sp>
+      <p:pic>
+        <p:nvPicPr>
+          <p:cNvPr id="10" name="Grafik 9">
             <a:extLst>
               <a:ext uri="{FF2B5EF4-FFF2-40B4-BE49-F238E27FC236}">
-                <a16:creationId xmlns:a16="http://schemas.microsoft.com/office/drawing/2014/main" id="{74E1DA3C-D25D-4B3A-BD43-CE7BF1FF5BEC}"/>
+                <a16:creationId xmlns:a16="http://schemas.microsoft.com/office/drawing/2014/main" id="{CE30195E-10F0-4C19-B2E4-473922247546}"/>
+              </a:ext>
+            </a:extLst>
+          </p:cNvPr>
+          <p:cNvPicPr>
+            <a:picLocks noChangeAspect="1"/>
+          </p:cNvPicPr>
+          <p:nvPr/>
+        </p:nvPicPr>
+        <p:blipFill>
+          <a:blip r:embed="rId3">
+            <a:extLst>
+              <a:ext uri="{28A0092B-C50C-407E-A947-70E740481C1C}">
+                <a14:useLocalDpi xmlns:a14="http://schemas.microsoft.com/office/drawing/2010/main" val="0"/>
+              </a:ext>
+            </a:extLst>
+          </a:blip>
+          <a:stretch>
+            <a:fillRect/>
+          </a:stretch>
+        </p:blipFill>
+        <p:spPr>
+          <a:xfrm>
+            <a:off x="360000" y="2067694"/>
+            <a:ext cx="2438400" cy="2438400"/>
+          </a:xfrm>
+          <a:prstGeom prst="rect">
+            <a:avLst/>
+          </a:prstGeom>
+        </p:spPr>
+      </p:pic>
+      <p:pic>
+        <p:nvPicPr>
+          <p:cNvPr id="12" name="Grafik 11">
+            <a:extLst>
+              <a:ext uri="{FF2B5EF4-FFF2-40B4-BE49-F238E27FC236}">
+                <a16:creationId xmlns:a16="http://schemas.microsoft.com/office/drawing/2014/main" id="{6AD96E46-9AFA-4666-840F-398DD555A8F5}"/>
+              </a:ext>
+            </a:extLst>
+          </p:cNvPr>
+          <p:cNvPicPr>
+            <a:picLocks noChangeAspect="1"/>
+          </p:cNvPicPr>
+          <p:nvPr/>
+        </p:nvPicPr>
+        <p:blipFill>
+          <a:blip r:embed="rId4">
+            <a:extLst>
+              <a:ext uri="{28A0092B-C50C-407E-A947-70E740481C1C}">
+                <a14:useLocalDpi xmlns:a14="http://schemas.microsoft.com/office/drawing/2010/main" val="0"/>
+              </a:ext>
+            </a:extLst>
+          </a:blip>
+          <a:stretch>
+            <a:fillRect/>
+          </a:stretch>
+        </p:blipFill>
+        <p:spPr>
+          <a:xfrm>
+            <a:off x="3388800" y="2067694"/>
+            <a:ext cx="2438400" cy="2438400"/>
+          </a:xfrm>
+          <a:prstGeom prst="rect">
+            <a:avLst/>
+          </a:prstGeom>
+        </p:spPr>
+      </p:pic>
+      <p:pic>
+        <p:nvPicPr>
+          <p:cNvPr id="14" name="Grafik 13">
+            <a:extLst>
+              <a:ext uri="{FF2B5EF4-FFF2-40B4-BE49-F238E27FC236}">
+                <a16:creationId xmlns:a16="http://schemas.microsoft.com/office/drawing/2014/main" id="{C80FD59C-54DA-459C-BFC2-8316ABCC38E9}"/>
+              </a:ext>
+            </a:extLst>
+          </p:cNvPr>
+          <p:cNvPicPr>
+            <a:picLocks noChangeAspect="1"/>
+          </p:cNvPicPr>
+          <p:nvPr/>
+        </p:nvPicPr>
+        <p:blipFill>
+          <a:blip r:embed="rId5">
+            <a:extLst>
+              <a:ext uri="{28A0092B-C50C-407E-A947-70E740481C1C}">
+                <a14:useLocalDpi xmlns:a14="http://schemas.microsoft.com/office/drawing/2010/main" val="0"/>
+              </a:ext>
+            </a:extLst>
+          </a:blip>
+          <a:stretch>
+            <a:fillRect/>
+          </a:stretch>
+        </p:blipFill>
+        <p:spPr>
+          <a:xfrm>
+            <a:off x="6417600" y="2067694"/>
+            <a:ext cx="2438400" cy="2438400"/>
+          </a:xfrm>
+          <a:prstGeom prst="rect">
+            <a:avLst/>
+          </a:prstGeom>
+        </p:spPr>
+      </p:pic>
+      <p:sp>
+        <p:nvSpPr>
+          <p:cNvPr id="16" name="RS_Classification_Special">
+            <a:extLst>
+              <a:ext uri="{FF2B5EF4-FFF2-40B4-BE49-F238E27FC236}">
+                <a16:creationId xmlns:a16="http://schemas.microsoft.com/office/drawing/2014/main" id="{5F201807-2872-465A-B6A0-C93E49FE798A}"/>
               </a:ext>
             </a:extLst>
           </p:cNvPr>
@@ -11479,14 +11050,16 @@
         </p:nvSpPr>
         <p:spPr>
           <a:xfrm>
-            <a:off x="7411923" y="4832341"/>
-            <a:ext cx="1732077" cy="211083"/>
+            <a:off x="8991329" y="4832341"/>
+            <a:ext cx="152671" cy="211083"/>
           </a:xfrm>
           <a:prstGeom prst="rect">
             <a:avLst/>
           </a:prstGeom>
           <a:solidFill>
-            <a:srgbClr val="F8F8F8"/>
+            <a:srgbClr val="FFFFFF">
+              <a:alpha val="0"/>
+            </a:srgbClr>
           </a:solidFill>
         </p:spPr>
         <p:txBody>
@@ -11495,14 +11068,6 @@
           </a:bodyPr>
           <a:lstStyle/>
           <a:p>
-            <a:r>
-              <a:rPr lang="de-DE" sz="900" b="1" kern="100" spc="100">
-                <a:solidFill>
-                  <a:srgbClr val="000000"/>
-                </a:solidFill>
-              </a:rPr>
-              <a:t>COMPANY RESTRICTED</a:t>
-            </a:r>
             <a:endParaRPr lang="de-DE" sz="900" b="1" kern="100" spc="100" dirty="0" err="1">
               <a:solidFill>
                 <a:srgbClr val="000000"/>
@@ -11578,16 +11143,8 @@
           <a:lstStyle/>
           <a:p>
             <a:r>
-              <a:rPr lang="de-DE" dirty="0"/>
-              <a:t>Classification </a:t>
-            </a:r>
-            <a:r>
-              <a:rPr lang="de-DE" dirty="0" err="1"/>
-              <a:t>of</a:t>
-            </a:r>
-            <a:r>
-              <a:rPr lang="de-DE" dirty="0"/>
-              <a:t> Images</a:t>
+              <a:rPr lang="en-GB" noProof="0" dirty="0"/>
+              <a:t>Classification of Images</a:t>
             </a:r>
           </a:p>
         </p:txBody>
@@ -11614,166 +11171,16 @@
           <a:lstStyle/>
           <a:p>
             <a:r>
-              <a:rPr lang="de-DE" dirty="0" err="1"/>
-              <a:t>Predict</a:t>
-            </a:r>
-            <a:r>
-              <a:rPr lang="de-DE" dirty="0"/>
-              <a:t> </a:t>
-            </a:r>
-            <a:r>
-              <a:rPr lang="de-DE" dirty="0" err="1"/>
-              <a:t>the</a:t>
-            </a:r>
-            <a:r>
-              <a:rPr lang="de-DE" dirty="0"/>
-              <a:t> </a:t>
-            </a:r>
-            <a:r>
-              <a:rPr lang="de-DE" dirty="0" err="1"/>
-              <a:t>class</a:t>
-            </a:r>
-            <a:r>
-              <a:rPr lang="de-DE" dirty="0"/>
-              <a:t> </a:t>
-            </a:r>
-            <a:r>
-              <a:rPr lang="de-DE" dirty="0" err="1"/>
-              <a:t>of</a:t>
-            </a:r>
-            <a:r>
-              <a:rPr lang="de-DE" dirty="0"/>
-              <a:t> </a:t>
-            </a:r>
-            <a:r>
-              <a:rPr lang="de-DE" dirty="0" err="1"/>
-              <a:t>every</a:t>
-            </a:r>
-            <a:r>
-              <a:rPr lang="de-DE" dirty="0"/>
-              <a:t> 10th </a:t>
-            </a:r>
-            <a:r>
-              <a:rPr lang="de-DE" dirty="0" err="1"/>
-              <a:t>frame</a:t>
-            </a:r>
-            <a:r>
-              <a:rPr lang="de-DE" dirty="0"/>
-              <a:t> </a:t>
-            </a:r>
-            <a:r>
-              <a:rPr lang="de-DE" dirty="0" err="1"/>
-              <a:t>of</a:t>
-            </a:r>
-            <a:r>
-              <a:rPr lang="de-DE" dirty="0"/>
-              <a:t> a </a:t>
-            </a:r>
-            <a:r>
-              <a:rPr lang="de-DE" dirty="0" err="1"/>
-              <a:t>video</a:t>
-            </a:r>
-            <a:r>
-              <a:rPr lang="de-DE" dirty="0"/>
-              <a:t> </a:t>
-            </a:r>
-            <a:r>
-              <a:rPr lang="de-DE" dirty="0" err="1"/>
-              <a:t>file</a:t>
-            </a:r>
-            <a:endParaRPr lang="de-DE" dirty="0"/>
+              <a:rPr lang="en-GB" noProof="0" dirty="0"/>
+              <a:t>Predict the class of every 10th frame of a video file</a:t>
+            </a:r>
           </a:p>
           <a:p>
             <a:pPr lvl="1"/>
             <a:r>
-              <a:rPr lang="de-DE" dirty="0"/>
-              <a:t>Classification </a:t>
-            </a:r>
-            <a:r>
-              <a:rPr lang="de-DE" dirty="0" err="1"/>
-              <a:t>of</a:t>
-            </a:r>
-            <a:r>
-              <a:rPr lang="de-DE" dirty="0"/>
-              <a:t> </a:t>
-            </a:r>
-            <a:r>
-              <a:rPr lang="de-DE" dirty="0" err="1"/>
-              <a:t>every</a:t>
-            </a:r>
-            <a:r>
-              <a:rPr lang="de-DE" dirty="0"/>
-              <a:t> </a:t>
-            </a:r>
-            <a:r>
-              <a:rPr lang="de-DE" dirty="0" err="1"/>
-              <a:t>frame</a:t>
-            </a:r>
-            <a:r>
-              <a:rPr lang="de-DE" dirty="0"/>
-              <a:t> </a:t>
-            </a:r>
-            <a:r>
-              <a:rPr lang="de-DE" dirty="0" err="1"/>
-              <a:t>would</a:t>
-            </a:r>
-            <a:r>
-              <a:rPr lang="de-DE" dirty="0"/>
-              <a:t> </a:t>
-            </a:r>
-            <a:r>
-              <a:rPr lang="de-DE" dirty="0" err="1"/>
-              <a:t>require</a:t>
-            </a:r>
-            <a:r>
-              <a:rPr lang="de-DE" dirty="0"/>
-              <a:t> a </a:t>
-            </a:r>
-            <a:r>
-              <a:rPr lang="de-DE" dirty="0" err="1"/>
-              <a:t>lot</a:t>
-            </a:r>
-            <a:r>
-              <a:rPr lang="de-DE" dirty="0"/>
-              <a:t> </a:t>
-            </a:r>
-            <a:r>
-              <a:rPr lang="de-DE" dirty="0" err="1"/>
-              <a:t>of</a:t>
-            </a:r>
-            <a:r>
-              <a:rPr lang="de-DE" dirty="0"/>
-              <a:t> </a:t>
-            </a:r>
-            <a:r>
-              <a:rPr lang="de-DE" dirty="0" err="1"/>
-              <a:t>computing</a:t>
-            </a:r>
-            <a:r>
-              <a:rPr lang="de-DE" dirty="0"/>
-              <a:t> power. The lag </a:t>
-            </a:r>
-            <a:r>
-              <a:rPr lang="de-DE" dirty="0" err="1"/>
-              <a:t>is</a:t>
-            </a:r>
-            <a:r>
-              <a:rPr lang="de-DE" dirty="0"/>
-              <a:t> </a:t>
-            </a:r>
-            <a:r>
-              <a:rPr lang="de-DE" dirty="0" err="1"/>
-              <a:t>nearly</a:t>
-            </a:r>
-            <a:r>
-              <a:rPr lang="de-DE" dirty="0"/>
-              <a:t> not </a:t>
-            </a:r>
-            <a:r>
-              <a:rPr lang="de-DE" dirty="0" err="1"/>
-              <a:t>noticeable</a:t>
-            </a:r>
-            <a:endParaRPr lang="de-DE" dirty="0"/>
+              <a:rPr lang="en-GB" noProof="0" dirty="0"/>
+              <a:t>Classification of every frame would require a lot of computing power. The lag is nearly not noticeable</a:t>
+            </a:r>
           </a:p>
         </p:txBody>
       </p:sp>
@@ -11800,10 +11207,9 @@
           <a:p>
             <a:pPr algn="ctr"/>
             <a:r>
-              <a:rPr lang="de-DE"/>
+              <a:rPr lang="de-DE" dirty="0"/>
               <a:t>13.12.2022</a:t>
             </a:r>
-            <a:endParaRPr lang="de-DE" dirty="0"/>
           </a:p>
         </p:txBody>
       </p:sp>
@@ -11829,10 +11235,9 @@
           <a:lstStyle/>
           <a:p>
             <a:r>
-              <a:rPr lang="de-DE"/>
+              <a:rPr lang="de-DE" dirty="0"/>
               <a:t>Korbinian Weidacher 3TRH</a:t>
             </a:r>
-            <a:endParaRPr lang="de-DE" dirty="0"/>
           </a:p>
         </p:txBody>
       </p:sp>
@@ -11887,7 +11292,7 @@
           <a:bodyPr/>
           <a:lstStyle/>
           <a:p>
-            <a:endParaRPr lang="de-DE"/>
+            <a:endParaRPr lang="de-DE" dirty="0"/>
           </a:p>
         </p:txBody>
       </p:sp>
@@ -11953,10 +11358,10 @@
       </p:pic>
       <p:sp>
         <p:nvSpPr>
-          <p:cNvPr id="10" name="RS_Classification_Special">
+          <p:cNvPr id="12" name="RS_Classification_Special">
             <a:extLst>
               <a:ext uri="{FF2B5EF4-FFF2-40B4-BE49-F238E27FC236}">
-                <a16:creationId xmlns:a16="http://schemas.microsoft.com/office/drawing/2014/main" id="{1D8A54A6-1B4C-440D-8FA4-7C2329300526}"/>
+                <a16:creationId xmlns:a16="http://schemas.microsoft.com/office/drawing/2014/main" id="{30360145-2AD6-4CC2-A1F1-E841873BADE6}"/>
               </a:ext>
             </a:extLst>
           </p:cNvPr>
@@ -11965,14 +11370,16 @@
         </p:nvSpPr>
         <p:spPr>
           <a:xfrm>
-            <a:off x="7411923" y="4832341"/>
-            <a:ext cx="1732077" cy="211083"/>
+            <a:off x="8991329" y="4832341"/>
+            <a:ext cx="152671" cy="211083"/>
           </a:xfrm>
           <a:prstGeom prst="rect">
             <a:avLst/>
           </a:prstGeom>
           <a:solidFill>
-            <a:srgbClr val="F8F8F8"/>
+            <a:srgbClr val="FFFFFF">
+              <a:alpha val="0"/>
+            </a:srgbClr>
           </a:solidFill>
         </p:spPr>
         <p:txBody>
@@ -11981,14 +11388,6 @@
           </a:bodyPr>
           <a:lstStyle/>
           <a:p>
-            <a:r>
-              <a:rPr lang="de-DE" sz="900" b="1" kern="100" spc="100">
-                <a:solidFill>
-                  <a:srgbClr val="000000"/>
-                </a:solidFill>
-              </a:rPr>
-              <a:t>COMPANY RESTRICTED</a:t>
-            </a:r>
             <a:endParaRPr lang="de-DE" sz="900" b="1" kern="100" spc="100" dirty="0" err="1">
               <a:solidFill>
                 <a:srgbClr val="000000"/>
@@ -12064,22 +11463,9 @@
           <a:lstStyle/>
           <a:p>
             <a:r>
-              <a:rPr lang="de-DE" dirty="0"/>
-              <a:t>Add </a:t>
-            </a:r>
-            <a:r>
-              <a:rPr lang="de-DE" dirty="0" err="1"/>
-              <a:t>more</a:t>
-            </a:r>
-            <a:r>
-              <a:rPr lang="de-DE" dirty="0"/>
-              <a:t> wall </a:t>
-            </a:r>
-            <a:r>
-              <a:rPr lang="de-DE" dirty="0" err="1"/>
-              <a:t>defects</a:t>
-            </a:r>
-            <a:endParaRPr lang="de-DE" dirty="0"/>
+              <a:rPr lang="en-GB" noProof="0" dirty="0"/>
+              <a:t>Add more wall defects</a:t>
+            </a:r>
           </a:p>
         </p:txBody>
       </p:sp>
@@ -12105,122 +11491,24 @@
           <a:lstStyle/>
           <a:p>
             <a:r>
-              <a:rPr lang="de-DE" dirty="0" err="1"/>
-              <a:t>It</a:t>
-            </a:r>
-            <a:r>
-              <a:rPr lang="de-DE" dirty="0"/>
-              <a:t> </a:t>
-            </a:r>
-            <a:r>
-              <a:rPr lang="de-DE" dirty="0" err="1"/>
-              <a:t>is</a:t>
-            </a:r>
-            <a:r>
-              <a:rPr lang="de-DE" dirty="0"/>
-              <a:t> possible </a:t>
-            </a:r>
-            <a:r>
-              <a:rPr lang="de-DE" dirty="0" err="1"/>
-              <a:t>to</a:t>
-            </a:r>
-            <a:r>
-              <a:rPr lang="de-DE" dirty="0"/>
-              <a:t> </a:t>
-            </a:r>
-            <a:r>
-              <a:rPr lang="de-DE" dirty="0" err="1"/>
-              <a:t>add</a:t>
-            </a:r>
-            <a:r>
-              <a:rPr lang="de-DE" dirty="0"/>
-              <a:t> </a:t>
-            </a:r>
-            <a:r>
-              <a:rPr lang="de-DE" dirty="0" err="1"/>
-              <a:t>more</a:t>
-            </a:r>
-            <a:r>
-              <a:rPr lang="de-DE" dirty="0"/>
-              <a:t> </a:t>
-            </a:r>
-            <a:r>
-              <a:rPr lang="de-DE" dirty="0" err="1"/>
-              <a:t>defects</a:t>
-            </a:r>
-            <a:r>
-              <a:rPr lang="de-DE" dirty="0"/>
-              <a:t> </a:t>
-            </a:r>
-            <a:r>
-              <a:rPr lang="de-DE" dirty="0" err="1"/>
-              <a:t>than</a:t>
-            </a:r>
-            <a:r>
-              <a:rPr lang="de-DE" dirty="0"/>
-              <a:t> just </a:t>
-            </a:r>
-            <a:r>
-              <a:rPr lang="de-DE" dirty="0" err="1"/>
-              <a:t>cracks</a:t>
-            </a:r>
-            <a:endParaRPr lang="de-DE" dirty="0"/>
-          </a:p>
-          <a:p>
-            <a:r>
-              <a:rPr lang="de-DE" dirty="0" err="1"/>
-              <a:t>Retraining</a:t>
-            </a:r>
-            <a:r>
-              <a:rPr lang="de-DE" dirty="0"/>
-              <a:t> </a:t>
-            </a:r>
-            <a:r>
-              <a:rPr lang="de-DE" dirty="0" err="1"/>
-              <a:t>of</a:t>
-            </a:r>
-            <a:r>
-              <a:rPr lang="de-DE" dirty="0"/>
-              <a:t> </a:t>
-            </a:r>
-            <a:r>
-              <a:rPr lang="de-DE" dirty="0" err="1"/>
-              <a:t>the</a:t>
-            </a:r>
-            <a:r>
-              <a:rPr lang="de-DE" dirty="0"/>
-              <a:t> </a:t>
-            </a:r>
-            <a:r>
-              <a:rPr lang="de-DE" dirty="0" err="1"/>
-              <a:t>model</a:t>
-            </a:r>
-            <a:r>
-              <a:rPr lang="de-DE" dirty="0"/>
-              <a:t> </a:t>
-            </a:r>
-            <a:r>
-              <a:rPr lang="de-DE" dirty="0" err="1"/>
-              <a:t>is</a:t>
-            </a:r>
-            <a:r>
-              <a:rPr lang="de-DE" dirty="0"/>
-              <a:t> </a:t>
-            </a:r>
-            <a:r>
-              <a:rPr lang="de-DE" dirty="0" err="1"/>
-              <a:t>neccessary</a:t>
-            </a:r>
-            <a:endParaRPr lang="de-DE" dirty="0"/>
-          </a:p>
-          <a:p>
-            <a:r>
-              <a:rPr lang="de-DE" dirty="0">
+              <a:rPr lang="en-GB" noProof="0" dirty="0"/>
+              <a:t>It is possible to add more defects than just cracks</a:t>
+            </a:r>
+          </a:p>
+          <a:p>
+            <a:r>
+              <a:rPr lang="en-GB" noProof="0" dirty="0"/>
+              <a:t>Retraining of the model is necessary</a:t>
+            </a:r>
+          </a:p>
+          <a:p>
+            <a:r>
+              <a:rPr lang="en-GB" noProof="0" dirty="0">
                 <a:hlinkClick r:id="rId4"/>
               </a:rPr>
               <a:t>Wiki Page</a:t>
             </a:r>
-            <a:endParaRPr lang="de-DE" dirty="0"/>
+            <a:endParaRPr lang="en-GB" noProof="0" dirty="0"/>
           </a:p>
         </p:txBody>
       </p:sp>
@@ -12247,10 +11535,9 @@
           <a:p>
             <a:pPr algn="ctr"/>
             <a:r>
-              <a:rPr lang="de-DE"/>
+              <a:rPr lang="de-DE" dirty="0"/>
               <a:t>13.12.2022</a:t>
             </a:r>
-            <a:endParaRPr lang="de-DE" dirty="0"/>
           </a:p>
         </p:txBody>
       </p:sp>
@@ -12276,10 +11563,9 @@
           <a:lstStyle/>
           <a:p>
             <a:r>
-              <a:rPr lang="de-DE"/>
+              <a:rPr lang="de-DE" dirty="0"/>
               <a:t>Korbinian Weidacher 3TRH</a:t>
             </a:r>
-            <a:endParaRPr lang="de-DE" dirty="0"/>
           </a:p>
         </p:txBody>
       </p:sp>
@@ -12334,16 +11620,16 @@
           <a:bodyPr/>
           <a:lstStyle/>
           <a:p>
-            <a:endParaRPr lang="de-DE"/>
-          </a:p>
-        </p:txBody>
-      </p:sp>
-      <p:sp>
-        <p:nvSpPr>
-          <p:cNvPr id="8" name="RS_Classification_Special">
+            <a:endParaRPr lang="de-DE" dirty="0"/>
+          </a:p>
+        </p:txBody>
+      </p:sp>
+      <p:sp>
+        <p:nvSpPr>
+          <p:cNvPr id="10" name="RS_Classification_Special">
             <a:extLst>
               <a:ext uri="{FF2B5EF4-FFF2-40B4-BE49-F238E27FC236}">
-                <a16:creationId xmlns:a16="http://schemas.microsoft.com/office/drawing/2014/main" id="{0757D02B-E72E-4904-BC03-CC09D7E5EC8F}"/>
+                <a16:creationId xmlns:a16="http://schemas.microsoft.com/office/drawing/2014/main" id="{FBD6938C-B42F-4AA1-BFB6-3969A3FFB7A4}"/>
               </a:ext>
             </a:extLst>
           </p:cNvPr>
@@ -12352,14 +11638,16 @@
         </p:nvSpPr>
         <p:spPr>
           <a:xfrm>
-            <a:off x="7411923" y="4832341"/>
-            <a:ext cx="1732077" cy="211083"/>
+            <a:off x="8991329" y="4832341"/>
+            <a:ext cx="152671" cy="211083"/>
           </a:xfrm>
           <a:prstGeom prst="rect">
             <a:avLst/>
           </a:prstGeom>
           <a:solidFill>
-            <a:srgbClr val="F8F8F8"/>
+            <a:srgbClr val="FFFFFF">
+              <a:alpha val="0"/>
+            </a:srgbClr>
           </a:solidFill>
         </p:spPr>
         <p:txBody>
@@ -12368,14 +11656,6 @@
           </a:bodyPr>
           <a:lstStyle/>
           <a:p>
-            <a:r>
-              <a:rPr lang="de-DE" sz="900" b="1" kern="100" spc="100">
-                <a:solidFill>
-                  <a:srgbClr val="000000"/>
-                </a:solidFill>
-              </a:rPr>
-              <a:t>COMPANY RESTRICTED</a:t>
-            </a:r>
             <a:endParaRPr lang="de-DE" sz="900" b="1" kern="100" spc="100" dirty="0" err="1">
               <a:solidFill>
                 <a:srgbClr val="000000"/>
@@ -12451,34 +11731,9 @@
           <a:lstStyle/>
           <a:p>
             <a:r>
-              <a:rPr lang="de-DE" dirty="0" err="1"/>
-              <a:t>Localization</a:t>
-            </a:r>
-            <a:r>
-              <a:rPr lang="de-DE" dirty="0"/>
-              <a:t> </a:t>
-            </a:r>
-            <a:r>
-              <a:rPr lang="de-DE" dirty="0" err="1"/>
-              <a:t>of</a:t>
-            </a:r>
-            <a:r>
-              <a:rPr lang="de-DE" dirty="0"/>
-              <a:t> </a:t>
-            </a:r>
-            <a:r>
-              <a:rPr lang="de-DE" dirty="0" err="1"/>
-              <a:t>the</a:t>
-            </a:r>
-            <a:r>
-              <a:rPr lang="de-DE" dirty="0"/>
-              <a:t> </a:t>
-            </a:r>
-            <a:r>
-              <a:rPr lang="de-DE" dirty="0" err="1"/>
-              <a:t>defect</a:t>
-            </a:r>
-            <a:endParaRPr lang="de-DE" dirty="0"/>
+              <a:rPr lang="en-GB" noProof="0" dirty="0"/>
+              <a:t>Localization of the defect</a:t>
+            </a:r>
           </a:p>
         </p:txBody>
       </p:sp>
@@ -12504,325 +11759,42 @@
           <a:lstStyle/>
           <a:p>
             <a:r>
-              <a:rPr lang="de-DE" dirty="0"/>
-              <a:t>State: </a:t>
-            </a:r>
-            <a:r>
-              <a:rPr lang="de-DE" dirty="0" err="1"/>
-              <a:t>If</a:t>
-            </a:r>
-            <a:r>
-              <a:rPr lang="de-DE" dirty="0"/>
-              <a:t> a crack </a:t>
-            </a:r>
-            <a:r>
-              <a:rPr lang="de-DE" dirty="0" err="1"/>
-              <a:t>is</a:t>
-            </a:r>
-            <a:r>
-              <a:rPr lang="de-DE" dirty="0"/>
-              <a:t> </a:t>
-            </a:r>
-            <a:r>
-              <a:rPr lang="de-DE" dirty="0" err="1"/>
-              <a:t>detected</a:t>
-            </a:r>
-            <a:r>
-              <a:rPr lang="de-DE" dirty="0"/>
-              <a:t> </a:t>
-            </a:r>
-            <a:r>
-              <a:rPr lang="de-DE" dirty="0" err="1"/>
-              <a:t>the</a:t>
-            </a:r>
-            <a:r>
-              <a:rPr lang="de-DE" dirty="0"/>
-              <a:t> </a:t>
-            </a:r>
-            <a:r>
-              <a:rPr lang="de-DE" dirty="0" err="1"/>
-              <a:t>output</a:t>
-            </a:r>
-            <a:r>
-              <a:rPr lang="de-DE" dirty="0"/>
-              <a:t> </a:t>
-            </a:r>
-            <a:r>
-              <a:rPr lang="de-DE" dirty="0" err="1"/>
-              <a:t>frame</a:t>
-            </a:r>
-            <a:r>
-              <a:rPr lang="de-DE" dirty="0"/>
-              <a:t> </a:t>
-            </a:r>
-            <a:r>
-              <a:rPr lang="de-DE" dirty="0" err="1"/>
-              <a:t>is</a:t>
-            </a:r>
-            <a:r>
-              <a:rPr lang="de-DE" dirty="0"/>
-              <a:t> </a:t>
-            </a:r>
-            <a:r>
-              <a:rPr lang="de-DE" dirty="0" err="1"/>
-              <a:t>overlayed</a:t>
-            </a:r>
-            <a:r>
-              <a:rPr lang="de-DE" dirty="0"/>
-              <a:t> </a:t>
-            </a:r>
-            <a:r>
-              <a:rPr lang="de-DE" dirty="0" err="1"/>
-              <a:t>with</a:t>
-            </a:r>
-            <a:r>
-              <a:rPr lang="de-DE" dirty="0"/>
-              <a:t> a </a:t>
-            </a:r>
-            <a:r>
-              <a:rPr lang="de-DE" dirty="0" err="1"/>
-              <a:t>mask</a:t>
-            </a:r>
-            <a:r>
-              <a:rPr lang="de-DE" dirty="0"/>
-              <a:t> </a:t>
-            </a:r>
-            <a:r>
-              <a:rPr lang="de-DE" dirty="0" err="1"/>
-              <a:t>written</a:t>
-            </a:r>
-            <a:r>
-              <a:rPr lang="de-DE" dirty="0"/>
-              <a:t> </a:t>
-            </a:r>
-            <a:r>
-              <a:rPr lang="de-DE" dirty="0" err="1"/>
-              <a:t>by</a:t>
-            </a:r>
-            <a:r>
-              <a:rPr lang="de-DE" dirty="0"/>
-              <a:t> </a:t>
-            </a:r>
-            <a:r>
-              <a:rPr lang="de-DE" dirty="0" err="1"/>
-              <a:t>the</a:t>
-            </a:r>
-            <a:r>
-              <a:rPr lang="de-DE" dirty="0"/>
-              <a:t> </a:t>
-            </a:r>
-            <a:r>
-              <a:rPr lang="de-DE" dirty="0" err="1"/>
-              <a:t>person</a:t>
-            </a:r>
-            <a:r>
-              <a:rPr lang="de-DE" dirty="0"/>
-              <a:t> </a:t>
-            </a:r>
-            <a:r>
-              <a:rPr lang="de-DE" dirty="0" err="1"/>
-              <a:t>before</a:t>
-            </a:r>
-            <a:r>
-              <a:rPr lang="de-DE" dirty="0"/>
-              <a:t> </a:t>
-            </a:r>
-            <a:r>
-              <a:rPr lang="de-DE" dirty="0" err="1"/>
-              <a:t>me</a:t>
-            </a:r>
-            <a:endParaRPr lang="de-DE" dirty="0"/>
-          </a:p>
-          <a:p>
-            <a:r>
-              <a:rPr lang="de-DE" dirty="0" err="1"/>
-              <a:t>What</a:t>
-            </a:r>
-            <a:r>
-              <a:rPr lang="de-DE" dirty="0"/>
-              <a:t> i </a:t>
-            </a:r>
-            <a:r>
-              <a:rPr lang="de-DE" dirty="0" err="1"/>
-              <a:t>tried</a:t>
-            </a:r>
-            <a:r>
-              <a:rPr lang="de-DE" dirty="0"/>
-              <a:t>: Working </a:t>
-            </a:r>
-            <a:r>
-              <a:rPr lang="de-DE" dirty="0" err="1"/>
-              <a:t>with</a:t>
-            </a:r>
-            <a:r>
-              <a:rPr lang="de-DE" dirty="0"/>
-              <a:t> Azure ML Studio </a:t>
-            </a:r>
-            <a:r>
-              <a:rPr lang="de-DE" dirty="0" err="1"/>
-              <a:t>to</a:t>
-            </a:r>
-            <a:r>
-              <a:rPr lang="de-DE" dirty="0"/>
-              <a:t> </a:t>
-            </a:r>
-            <a:r>
-              <a:rPr lang="de-DE" dirty="0" err="1"/>
-              <a:t>achive</a:t>
-            </a:r>
-            <a:r>
-              <a:rPr lang="de-DE" dirty="0"/>
-              <a:t> a </a:t>
-            </a:r>
-            <a:r>
-              <a:rPr lang="de-DE" dirty="0" err="1"/>
-              <a:t>localization</a:t>
-            </a:r>
-            <a:r>
-              <a:rPr lang="de-DE" dirty="0"/>
-              <a:t> </a:t>
-            </a:r>
-            <a:r>
-              <a:rPr lang="de-DE" dirty="0" err="1"/>
-              <a:t>with</a:t>
-            </a:r>
-            <a:r>
-              <a:rPr lang="de-DE" dirty="0"/>
-              <a:t> a </a:t>
-            </a:r>
-            <a:r>
-              <a:rPr lang="de-DE" dirty="0" err="1"/>
-              <a:t>bounding</a:t>
-            </a:r>
-            <a:r>
-              <a:rPr lang="de-DE" dirty="0"/>
-              <a:t> box</a:t>
+              <a:rPr lang="en-GB" noProof="0" dirty="0"/>
+              <a:t>State: If a crack is detected the output frame is overlaid with a mask written by the person before me</a:t>
+            </a:r>
+          </a:p>
+          <a:p>
+            <a:r>
+              <a:rPr lang="en-GB" noProof="0" dirty="0"/>
+              <a:t>What I tried: Working with Azure ML Studio to achieve a localization with a bounding box</a:t>
             </a:r>
           </a:p>
           <a:p>
             <a:pPr lvl="1"/>
             <a:r>
-              <a:rPr lang="de-DE" dirty="0"/>
-              <a:t>Problem: Azure ML </a:t>
-            </a:r>
-            <a:r>
-              <a:rPr lang="de-DE" dirty="0" err="1"/>
-              <a:t>is</a:t>
-            </a:r>
-            <a:r>
-              <a:rPr lang="de-DE" dirty="0"/>
-              <a:t> </a:t>
-            </a:r>
-            <a:r>
-              <a:rPr lang="de-DE" dirty="0" err="1"/>
-              <a:t>pretty</a:t>
-            </a:r>
-            <a:r>
-              <a:rPr lang="de-DE" dirty="0"/>
-              <a:t> </a:t>
-            </a:r>
-            <a:r>
-              <a:rPr lang="de-DE" dirty="0" err="1"/>
-              <a:t>complex</a:t>
-            </a:r>
-            <a:r>
-              <a:rPr lang="de-DE" dirty="0"/>
-              <a:t> </a:t>
-            </a:r>
-            <a:r>
-              <a:rPr lang="de-DE" dirty="0" err="1"/>
-              <a:t>therefore</a:t>
-            </a:r>
-            <a:r>
-              <a:rPr lang="de-DE" dirty="0"/>
-              <a:t> </a:t>
-            </a:r>
-            <a:r>
-              <a:rPr lang="de-DE" dirty="0" err="1"/>
-              <a:t>the</a:t>
-            </a:r>
-            <a:r>
-              <a:rPr lang="de-DE" dirty="0"/>
-              <a:t> </a:t>
-            </a:r>
-            <a:r>
-              <a:rPr lang="de-DE" dirty="0" err="1"/>
-              <a:t>implementation</a:t>
-            </a:r>
-            <a:endParaRPr lang="de-DE" dirty="0"/>
+              <a:rPr lang="en-GB" noProof="0" dirty="0"/>
+              <a:t>Problem: Azure ML is pretty complex therefore the implementation</a:t>
+            </a:r>
           </a:p>
           <a:p>
             <a:pPr marL="450000" lvl="2" indent="0">
               <a:buNone/>
             </a:pPr>
             <a:r>
-              <a:rPr lang="de-DE" dirty="0" err="1"/>
-              <a:t>of</a:t>
-            </a:r>
-            <a:r>
-              <a:rPr lang="de-DE" dirty="0"/>
-              <a:t> </a:t>
-            </a:r>
-            <a:r>
-              <a:rPr lang="de-DE" dirty="0" err="1"/>
-              <a:t>the</a:t>
-            </a:r>
-            <a:r>
-              <a:rPr lang="de-DE" dirty="0"/>
-              <a:t> </a:t>
-            </a:r>
-            <a:r>
-              <a:rPr lang="de-DE" dirty="0" err="1"/>
-              <a:t>model</a:t>
-            </a:r>
-            <a:r>
-              <a:rPr lang="de-DE" dirty="0"/>
-              <a:t> </a:t>
-            </a:r>
-            <a:r>
-              <a:rPr lang="de-DE" dirty="0" err="1"/>
-              <a:t>is</a:t>
-            </a:r>
-            <a:r>
-              <a:rPr lang="de-DE" dirty="0"/>
-              <a:t> </a:t>
-            </a:r>
-            <a:r>
-              <a:rPr lang="de-DE" dirty="0" err="1"/>
-              <a:t>really</a:t>
-            </a:r>
-            <a:r>
-              <a:rPr lang="de-DE" dirty="0"/>
-              <a:t> </a:t>
-            </a:r>
-            <a:r>
-              <a:rPr lang="de-DE" dirty="0" err="1"/>
-              <a:t>hard</a:t>
-            </a:r>
-            <a:endParaRPr lang="de-DE" dirty="0"/>
+              <a:rPr lang="en-GB" noProof="0" dirty="0"/>
+              <a:t>of the model is really hard</a:t>
+            </a:r>
           </a:p>
           <a:p>
             <a:pPr marL="450000" lvl="2" indent="0">
               <a:buNone/>
             </a:pPr>
-            <a:endParaRPr lang="de-DE" dirty="0"/>
-          </a:p>
-          <a:p>
-            <a:r>
-              <a:rPr lang="de-DE" dirty="0" err="1"/>
-              <a:t>What</a:t>
-            </a:r>
-            <a:r>
-              <a:rPr lang="de-DE" dirty="0"/>
-              <a:t> i </a:t>
-            </a:r>
-            <a:r>
-              <a:rPr lang="de-DE" dirty="0" err="1"/>
-              <a:t>tried</a:t>
-            </a:r>
-            <a:r>
-              <a:rPr lang="de-DE" dirty="0"/>
-              <a:t> 2: Implement GRAD-CAM</a:t>
+            <a:endParaRPr lang="en-GB" noProof="0" dirty="0"/>
+          </a:p>
+          <a:p>
+            <a:r>
+              <a:rPr lang="en-GB" noProof="0" dirty="0"/>
+              <a:t>What I tried 2: Implement GRAD-CAM</a:t>
             </a:r>
           </a:p>
         </p:txBody>
@@ -12850,10 +11822,9 @@
           <a:p>
             <a:pPr algn="ctr"/>
             <a:r>
-              <a:rPr lang="de-DE"/>
+              <a:rPr lang="de-DE" dirty="0"/>
               <a:t>13.12.2022</a:t>
             </a:r>
-            <a:endParaRPr lang="de-DE" dirty="0"/>
           </a:p>
         </p:txBody>
       </p:sp>
@@ -12879,10 +11850,9 @@
           <a:lstStyle/>
           <a:p>
             <a:r>
-              <a:rPr lang="de-DE"/>
+              <a:rPr lang="de-DE" dirty="0"/>
               <a:t>Korbinian Weidacher 3TRH</a:t>
             </a:r>
-            <a:endParaRPr lang="de-DE" dirty="0"/>
           </a:p>
         </p:txBody>
       </p:sp>
@@ -12937,7 +11907,7 @@
           <a:bodyPr/>
           <a:lstStyle/>
           <a:p>
-            <a:endParaRPr lang="de-DE"/>
+            <a:endParaRPr lang="de-DE" dirty="0"/>
           </a:p>
         </p:txBody>
       </p:sp>
@@ -12973,10 +11943,10 @@
       </p:pic>
       <p:sp>
         <p:nvSpPr>
-          <p:cNvPr id="9" name="RS_Classification_Special">
+          <p:cNvPr id="11" name="RS_Classification_Special">
             <a:extLst>
               <a:ext uri="{FF2B5EF4-FFF2-40B4-BE49-F238E27FC236}">
-                <a16:creationId xmlns:a16="http://schemas.microsoft.com/office/drawing/2014/main" id="{B1EF22EC-4D30-4359-85D4-7BB5785C45C7}"/>
+                <a16:creationId xmlns:a16="http://schemas.microsoft.com/office/drawing/2014/main" id="{405CF147-4F67-44CE-9990-DC23534722F0}"/>
               </a:ext>
             </a:extLst>
           </p:cNvPr>
@@ -12985,14 +11955,16 @@
         </p:nvSpPr>
         <p:spPr>
           <a:xfrm>
-            <a:off x="7411923" y="4832341"/>
-            <a:ext cx="1732077" cy="211083"/>
+            <a:off x="8991329" y="4832341"/>
+            <a:ext cx="152671" cy="211083"/>
           </a:xfrm>
           <a:prstGeom prst="rect">
             <a:avLst/>
           </a:prstGeom>
           <a:solidFill>
-            <a:srgbClr val="F8F8F8"/>
+            <a:srgbClr val="FFFFFF">
+              <a:alpha val="0"/>
+            </a:srgbClr>
           </a:solidFill>
         </p:spPr>
         <p:txBody>
@@ -13001,14 +11973,6 @@
           </a:bodyPr>
           <a:lstStyle/>
           <a:p>
-            <a:r>
-              <a:rPr lang="de-DE" sz="900" b="1" kern="100" spc="100">
-                <a:solidFill>
-                  <a:srgbClr val="000000"/>
-                </a:solidFill>
-              </a:rPr>
-              <a:t>COMPANY RESTRICTED</a:t>
-            </a:r>
             <a:endParaRPr lang="de-DE" sz="900" b="1" kern="100" spc="100" dirty="0" err="1">
               <a:solidFill>
                 <a:srgbClr val="000000"/>
@@ -13084,14 +12048,9 @@
           <a:lstStyle/>
           <a:p>
             <a:r>
-              <a:rPr lang="de-DE" dirty="0"/>
-              <a:t>Grad-</a:t>
-            </a:r>
-            <a:r>
-              <a:rPr lang="de-DE" dirty="0" err="1"/>
-              <a:t>cam</a:t>
-            </a:r>
-            <a:endParaRPr lang="de-DE" dirty="0"/>
+              <a:rPr lang="en-GB" noProof="0" dirty="0"/>
+              <a:t>Grad-cam</a:t>
+            </a:r>
           </a:p>
         </p:txBody>
       </p:sp>
@@ -13116,7 +12075,7 @@
           <a:bodyPr/>
           <a:lstStyle/>
           <a:p>
-            <a:endParaRPr lang="de-DE"/>
+            <a:endParaRPr lang="de-DE" dirty="0"/>
           </a:p>
         </p:txBody>
       </p:sp>
@@ -13143,10 +12102,9 @@
           <a:p>
             <a:pPr algn="ctr"/>
             <a:r>
-              <a:rPr lang="de-DE"/>
+              <a:rPr lang="de-DE" dirty="0"/>
               <a:t>13.12.2022</a:t>
             </a:r>
-            <a:endParaRPr lang="de-DE" dirty="0"/>
           </a:p>
         </p:txBody>
       </p:sp>
@@ -13172,10 +12130,9 @@
           <a:lstStyle/>
           <a:p>
             <a:r>
-              <a:rPr lang="de-DE"/>
+              <a:rPr lang="de-DE" dirty="0"/>
               <a:t>Korbinian Weidacher 3TRH</a:t>
             </a:r>
-            <a:endParaRPr lang="de-DE" dirty="0"/>
           </a:p>
         </p:txBody>
       </p:sp>
@@ -13230,7 +12187,7 @@
           <a:bodyPr/>
           <a:lstStyle/>
           <a:p>
-            <a:endParaRPr lang="de-DE"/>
+            <a:endParaRPr lang="de-DE" dirty="0"/>
           </a:p>
         </p:txBody>
       </p:sp>
@@ -13266,10 +12223,10 @@
       </p:pic>
       <p:sp>
         <p:nvSpPr>
-          <p:cNvPr id="9" name="RS_Classification_Special">
+          <p:cNvPr id="11" name="RS_Classification_Special">
             <a:extLst>
               <a:ext uri="{FF2B5EF4-FFF2-40B4-BE49-F238E27FC236}">
-                <a16:creationId xmlns:a16="http://schemas.microsoft.com/office/drawing/2014/main" id="{C538125B-9934-46DC-B002-8E064D17565B}"/>
+                <a16:creationId xmlns:a16="http://schemas.microsoft.com/office/drawing/2014/main" id="{55645966-2679-4699-BF93-A87369002C9B}"/>
               </a:ext>
             </a:extLst>
           </p:cNvPr>
@@ -13278,14 +12235,16 @@
         </p:nvSpPr>
         <p:spPr>
           <a:xfrm>
-            <a:off x="7411923" y="4832341"/>
-            <a:ext cx="1732077" cy="211083"/>
+            <a:off x="8991329" y="4832341"/>
+            <a:ext cx="152671" cy="211083"/>
           </a:xfrm>
           <a:prstGeom prst="rect">
             <a:avLst/>
           </a:prstGeom>
           <a:solidFill>
-            <a:srgbClr val="F8F8F8"/>
+            <a:srgbClr val="FFFFFF">
+              <a:alpha val="0"/>
+            </a:srgbClr>
           </a:solidFill>
         </p:spPr>
         <p:txBody>
@@ -13294,14 +12253,6 @@
           </a:bodyPr>
           <a:lstStyle/>
           <a:p>
-            <a:r>
-              <a:rPr lang="de-DE" sz="900" b="1" kern="100" spc="100">
-                <a:solidFill>
-                  <a:srgbClr val="000000"/>
-                </a:solidFill>
-              </a:rPr>
-              <a:t>COMPANY RESTRICTED</a:t>
-            </a:r>
             <a:endParaRPr lang="de-DE" sz="900" b="1" kern="100" spc="100" dirty="0" err="1">
               <a:solidFill>
                 <a:srgbClr val="000000"/>
@@ -13377,14 +12328,9 @@
           <a:lstStyle/>
           <a:p>
             <a:r>
-              <a:rPr lang="de-DE" dirty="0"/>
-              <a:t>Next </a:t>
-            </a:r>
-            <a:r>
-              <a:rPr lang="de-DE" dirty="0" err="1"/>
-              <a:t>steps</a:t>
-            </a:r>
-            <a:endParaRPr lang="de-DE" dirty="0"/>
+              <a:rPr lang="en-GB" noProof="0" dirty="0"/>
+              <a:t>Next steps</a:t>
+            </a:r>
           </a:p>
         </p:txBody>
       </p:sp>
@@ -13410,245 +12356,15 @@
           <a:lstStyle/>
           <a:p>
             <a:r>
-              <a:rPr lang="de-DE" dirty="0"/>
-              <a:t>Try </a:t>
-            </a:r>
-            <a:r>
-              <a:rPr lang="de-DE" dirty="0" err="1"/>
-              <a:t>the</a:t>
-            </a:r>
-            <a:r>
-              <a:rPr lang="de-DE" dirty="0"/>
-              <a:t> </a:t>
-            </a:r>
-            <a:r>
-              <a:rPr lang="de-DE" dirty="0" err="1"/>
-              <a:t>model</a:t>
-            </a:r>
-            <a:r>
-              <a:rPr lang="de-DE" dirty="0"/>
-              <a:t> on </a:t>
-            </a:r>
-            <a:r>
-              <a:rPr lang="de-DE" dirty="0" err="1"/>
-              <a:t>some</a:t>
-            </a:r>
-            <a:r>
-              <a:rPr lang="de-DE" dirty="0"/>
-              <a:t> real </a:t>
-            </a:r>
-            <a:r>
-              <a:rPr lang="de-DE" dirty="0" err="1"/>
-              <a:t>world</a:t>
-            </a:r>
-            <a:r>
-              <a:rPr lang="de-DE" dirty="0"/>
-              <a:t> </a:t>
-            </a:r>
-            <a:r>
-              <a:rPr lang="de-DE" dirty="0" err="1"/>
-              <a:t>data</a:t>
-            </a:r>
-            <a:r>
-              <a:rPr lang="de-DE" dirty="0"/>
-              <a:t>, </a:t>
-            </a:r>
-            <a:r>
-              <a:rPr lang="de-DE" dirty="0" err="1"/>
-              <a:t>ideally</a:t>
-            </a:r>
-            <a:r>
-              <a:rPr lang="de-DE" dirty="0"/>
-              <a:t> </a:t>
-            </a:r>
-            <a:r>
-              <a:rPr lang="de-DE" dirty="0" err="1"/>
-              <a:t>some</a:t>
-            </a:r>
-            <a:r>
-              <a:rPr lang="de-DE" dirty="0"/>
-              <a:t> </a:t>
-            </a:r>
-            <a:r>
-              <a:rPr lang="de-DE" dirty="0" err="1"/>
-              <a:t>drone</a:t>
-            </a:r>
-            <a:r>
-              <a:rPr lang="de-DE" dirty="0"/>
-              <a:t> </a:t>
-            </a:r>
-            <a:r>
-              <a:rPr lang="de-DE" dirty="0" err="1"/>
-              <a:t>footage</a:t>
-            </a:r>
-            <a:r>
-              <a:rPr lang="de-DE" dirty="0"/>
-              <a:t> </a:t>
-            </a:r>
-            <a:r>
-              <a:rPr lang="de-DE" dirty="0" err="1"/>
-              <a:t>of</a:t>
-            </a:r>
-            <a:r>
-              <a:rPr lang="de-DE" dirty="0"/>
-              <a:t> a </a:t>
-            </a:r>
-            <a:r>
-              <a:rPr lang="de-DE" dirty="0" err="1"/>
-              <a:t>building</a:t>
-            </a:r>
-            <a:r>
-              <a:rPr lang="de-DE" dirty="0"/>
-              <a:t> </a:t>
-            </a:r>
-            <a:r>
-              <a:rPr lang="de-DE" dirty="0" err="1"/>
-              <a:t>facade</a:t>
-            </a:r>
-            <a:r>
-              <a:rPr lang="de-DE" dirty="0"/>
-              <a:t> </a:t>
-            </a:r>
-            <a:r>
-              <a:rPr lang="de-DE" dirty="0" err="1"/>
-              <a:t>with</a:t>
-            </a:r>
-            <a:r>
-              <a:rPr lang="de-DE" dirty="0"/>
-              <a:t> wall </a:t>
-            </a:r>
-            <a:r>
-              <a:rPr lang="de-DE" dirty="0" err="1"/>
-              <a:t>damages</a:t>
-            </a:r>
-            <a:endParaRPr lang="de-DE" dirty="0"/>
-          </a:p>
-          <a:p>
-            <a:r>
-              <a:rPr lang="de-DE" dirty="0" err="1"/>
-              <a:t>Adding</a:t>
-            </a:r>
-            <a:r>
-              <a:rPr lang="de-DE" dirty="0"/>
-              <a:t> </a:t>
-            </a:r>
-            <a:r>
-              <a:rPr lang="de-DE" dirty="0" err="1"/>
-              <a:t>more</a:t>
-            </a:r>
-            <a:r>
-              <a:rPr lang="de-DE" dirty="0"/>
-              <a:t> wall </a:t>
-            </a:r>
-            <a:r>
-              <a:rPr lang="de-DE" dirty="0" err="1"/>
-              <a:t>defects</a:t>
-            </a:r>
-            <a:r>
-              <a:rPr lang="de-DE" dirty="0"/>
-              <a:t>, </a:t>
-            </a:r>
-            <a:r>
-              <a:rPr lang="de-DE" dirty="0" err="1"/>
-              <a:t>determin</a:t>
-            </a:r>
-            <a:r>
-              <a:rPr lang="de-DE" dirty="0"/>
-              <a:t> </a:t>
-            </a:r>
-            <a:r>
-              <a:rPr lang="de-DE" dirty="0" err="1"/>
-              <a:t>which</a:t>
-            </a:r>
-            <a:r>
-              <a:rPr lang="de-DE" dirty="0"/>
-              <a:t> </a:t>
-            </a:r>
-            <a:r>
-              <a:rPr lang="de-DE" dirty="0" err="1"/>
-              <a:t>defects</a:t>
-            </a:r>
-            <a:r>
-              <a:rPr lang="de-DE" dirty="0"/>
-              <a:t> </a:t>
-            </a:r>
-            <a:r>
-              <a:rPr lang="de-DE" dirty="0" err="1"/>
-              <a:t>are</a:t>
-            </a:r>
-            <a:r>
-              <a:rPr lang="de-DE" dirty="0"/>
-              <a:t> </a:t>
-            </a:r>
-            <a:r>
-              <a:rPr lang="de-DE" dirty="0" err="1"/>
-              <a:t>important</a:t>
-            </a:r>
-            <a:r>
-              <a:rPr lang="de-DE" dirty="0"/>
-              <a:t> like wall </a:t>
-            </a:r>
-            <a:r>
-              <a:rPr lang="de-DE" dirty="0" err="1"/>
-              <a:t>cracks</a:t>
-            </a:r>
-            <a:r>
-              <a:rPr lang="de-DE" dirty="0"/>
-              <a:t> </a:t>
-            </a:r>
-            <a:r>
-              <a:rPr lang="de-DE" dirty="0" err="1"/>
-              <a:t>for</a:t>
-            </a:r>
-            <a:r>
-              <a:rPr lang="de-DE" dirty="0"/>
-              <a:t> </a:t>
-            </a:r>
-            <a:r>
-              <a:rPr lang="de-DE" dirty="0" err="1"/>
-              <a:t>the</a:t>
-            </a:r>
-            <a:r>
-              <a:rPr lang="de-DE" dirty="0"/>
-              <a:t> </a:t>
-            </a:r>
-            <a:r>
-              <a:rPr lang="de-DE" dirty="0" err="1"/>
-              <a:t>structual</a:t>
-            </a:r>
-            <a:r>
-              <a:rPr lang="de-DE" dirty="0"/>
-              <a:t> </a:t>
-            </a:r>
-            <a:r>
-              <a:rPr lang="de-DE" dirty="0" err="1"/>
-              <a:t>intagrity</a:t>
-            </a:r>
-            <a:r>
-              <a:rPr lang="de-DE" dirty="0"/>
-              <a:t> </a:t>
-            </a:r>
-            <a:r>
-              <a:rPr lang="de-DE" dirty="0" err="1"/>
-              <a:t>of</a:t>
-            </a:r>
-            <a:r>
-              <a:rPr lang="de-DE" dirty="0"/>
-              <a:t> </a:t>
-            </a:r>
-            <a:r>
-              <a:rPr lang="de-DE" dirty="0" err="1"/>
-              <a:t>the</a:t>
-            </a:r>
-            <a:r>
-              <a:rPr lang="de-DE" dirty="0"/>
-              <a:t> </a:t>
-            </a:r>
-            <a:r>
-              <a:rPr lang="de-DE" dirty="0" err="1"/>
-              <a:t>building</a:t>
-            </a:r>
-            <a:endParaRPr lang="de-DE" dirty="0"/>
+              <a:rPr lang="en-GB" noProof="0" dirty="0"/>
+              <a:t>Try the model on some real world data, ideally some drone footage of a building facade with wall damages</a:t>
+            </a:r>
+          </a:p>
+          <a:p>
+            <a:r>
+              <a:rPr lang="en-GB" noProof="0" dirty="0"/>
+              <a:t>Adding more wall defects, determine which defects are important like wall cracks for the structural integrity of the building</a:t>
+            </a:r>
           </a:p>
         </p:txBody>
       </p:sp>
@@ -13675,10 +12391,9 @@
           <a:p>
             <a:pPr algn="ctr"/>
             <a:r>
-              <a:rPr lang="de-DE"/>
+              <a:rPr lang="de-DE" dirty="0"/>
               <a:t>13.12.2022</a:t>
             </a:r>
-            <a:endParaRPr lang="de-DE" dirty="0"/>
           </a:p>
         </p:txBody>
       </p:sp>
@@ -13704,10 +12419,9 @@
           <a:lstStyle/>
           <a:p>
             <a:r>
-              <a:rPr lang="de-DE"/>
+              <a:rPr lang="de-DE" dirty="0"/>
               <a:t>Korbinian Weidacher 3TRH</a:t>
             </a:r>
-            <a:endParaRPr lang="de-DE" dirty="0"/>
           </a:p>
         </p:txBody>
       </p:sp>
@@ -13762,16 +12476,16 @@
           <a:bodyPr/>
           <a:lstStyle/>
           <a:p>
-            <a:endParaRPr lang="de-DE"/>
-          </a:p>
-        </p:txBody>
-      </p:sp>
-      <p:sp>
-        <p:nvSpPr>
-          <p:cNvPr id="8" name="RS_Classification_Special">
+            <a:endParaRPr lang="de-DE" dirty="0"/>
+          </a:p>
+        </p:txBody>
+      </p:sp>
+      <p:sp>
+        <p:nvSpPr>
+          <p:cNvPr id="10" name="RS_Classification_Special">
             <a:extLst>
               <a:ext uri="{FF2B5EF4-FFF2-40B4-BE49-F238E27FC236}">
-                <a16:creationId xmlns:a16="http://schemas.microsoft.com/office/drawing/2014/main" id="{4F06712C-1421-43E2-9933-6BA9B48C07FE}"/>
+                <a16:creationId xmlns:a16="http://schemas.microsoft.com/office/drawing/2014/main" id="{191073FA-5382-4451-A919-F83C8E2F52A1}"/>
               </a:ext>
             </a:extLst>
           </p:cNvPr>
@@ -13780,14 +12494,16 @@
         </p:nvSpPr>
         <p:spPr>
           <a:xfrm>
-            <a:off x="7411923" y="4832341"/>
-            <a:ext cx="1732077" cy="211083"/>
+            <a:off x="8991329" y="4832341"/>
+            <a:ext cx="152671" cy="211083"/>
           </a:xfrm>
           <a:prstGeom prst="rect">
             <a:avLst/>
           </a:prstGeom>
           <a:solidFill>
-            <a:srgbClr val="F8F8F8"/>
+            <a:srgbClr val="FFFFFF">
+              <a:alpha val="0"/>
+            </a:srgbClr>
           </a:solidFill>
         </p:spPr>
         <p:txBody>
@@ -13796,14 +12512,6 @@
           </a:bodyPr>
           <a:lstStyle/>
           <a:p>
-            <a:r>
-              <a:rPr lang="de-DE" sz="900" b="1" kern="100" spc="100">
-                <a:solidFill>
-                  <a:srgbClr val="000000"/>
-                </a:solidFill>
-              </a:rPr>
-              <a:t>COMPANY RESTRICTED</a:t>
-            </a:r>
             <a:endParaRPr lang="de-DE" sz="900" b="1" kern="100" spc="100" dirty="0" err="1">
               <a:solidFill>
                 <a:srgbClr val="000000"/>
@@ -13848,61 +12556,61 @@
 
 <file path=ppt/tags/tag10.xml><?xml version="1.0" encoding="utf-8"?>
 <p:tagLst xmlns:a="http://schemas.openxmlformats.org/drawingml/2006/main" xmlns:r="http://schemas.openxmlformats.org/officeDocument/2006/relationships" xmlns:p="http://schemas.openxmlformats.org/presentationml/2006/main">
-  <p:tag name="RS_CLASSIFICATION" val="COMPANY RESTRICTED"/>
+  <p:tag name="RS_CLASSIFICATION" val=" "/>
 </p:tagLst>
 </file>
 
 <file path=ppt/tags/tag11.xml><?xml version="1.0" encoding="utf-8"?>
 <p:tagLst xmlns:a="http://schemas.openxmlformats.org/drawingml/2006/main" xmlns:r="http://schemas.openxmlformats.org/officeDocument/2006/relationships" xmlns:p="http://schemas.openxmlformats.org/presentationml/2006/main">
-  <p:tag name="RS_CLASSIFICATION" val="COMPANY RESTRICTED"/>
+  <p:tag name="RS_CLASSIFICATION" val=" "/>
 </p:tagLst>
 </file>
 
 <file path=ppt/tags/tag2.xml><?xml version="1.0" encoding="utf-8"?>
 <p:tagLst xmlns:a="http://schemas.openxmlformats.org/drawingml/2006/main" xmlns:r="http://schemas.openxmlformats.org/officeDocument/2006/relationships" xmlns:p="http://schemas.openxmlformats.org/presentationml/2006/main">
-  <p:tag name="RS_CLASSIFICATION" val="COMPANY RESTRICTED"/>
+  <p:tag name="RS_CLASSIFICATION" val=" "/>
 </p:tagLst>
 </file>
 
 <file path=ppt/tags/tag3.xml><?xml version="1.0" encoding="utf-8"?>
 <p:tagLst xmlns:a="http://schemas.openxmlformats.org/drawingml/2006/main" xmlns:r="http://schemas.openxmlformats.org/officeDocument/2006/relationships" xmlns:p="http://schemas.openxmlformats.org/presentationml/2006/main">
-  <p:tag name="RS_CLASSIFICATION" val="COMPANY RESTRICTED"/>
+  <p:tag name="RS_CLASSIFICATION" val=" "/>
 </p:tagLst>
 </file>
 
 <file path=ppt/tags/tag4.xml><?xml version="1.0" encoding="utf-8"?>
 <p:tagLst xmlns:a="http://schemas.openxmlformats.org/drawingml/2006/main" xmlns:r="http://schemas.openxmlformats.org/officeDocument/2006/relationships" xmlns:p="http://schemas.openxmlformats.org/presentationml/2006/main">
-  <p:tag name="RS_CLASSIFICATION" val="COMPANY RESTRICTED"/>
+  <p:tag name="RS_CLASSIFICATION" val=" "/>
 </p:tagLst>
 </file>
 
 <file path=ppt/tags/tag5.xml><?xml version="1.0" encoding="utf-8"?>
 <p:tagLst xmlns:a="http://schemas.openxmlformats.org/drawingml/2006/main" xmlns:r="http://schemas.openxmlformats.org/officeDocument/2006/relationships" xmlns:p="http://schemas.openxmlformats.org/presentationml/2006/main">
-  <p:tag name="RS_CLASSIFICATION" val="COMPANY RESTRICTED"/>
+  <p:tag name="RS_CLASSIFICATION" val=" "/>
 </p:tagLst>
 </file>
 
 <file path=ppt/tags/tag6.xml><?xml version="1.0" encoding="utf-8"?>
 <p:tagLst xmlns:a="http://schemas.openxmlformats.org/drawingml/2006/main" xmlns:r="http://schemas.openxmlformats.org/officeDocument/2006/relationships" xmlns:p="http://schemas.openxmlformats.org/presentationml/2006/main">
-  <p:tag name="RS_CLASSIFICATION" val="COMPANY RESTRICTED"/>
+  <p:tag name="RS_CLASSIFICATION" val=" "/>
 </p:tagLst>
 </file>
 
 <file path=ppt/tags/tag7.xml><?xml version="1.0" encoding="utf-8"?>
 <p:tagLst xmlns:a="http://schemas.openxmlformats.org/drawingml/2006/main" xmlns:r="http://schemas.openxmlformats.org/officeDocument/2006/relationships" xmlns:p="http://schemas.openxmlformats.org/presentationml/2006/main">
-  <p:tag name="RS_CLASSIFICATION" val="COMPANY RESTRICTED"/>
+  <p:tag name="RS_CLASSIFICATION" val=" "/>
 </p:tagLst>
 </file>
 
 <file path=ppt/tags/tag8.xml><?xml version="1.0" encoding="utf-8"?>
 <p:tagLst xmlns:a="http://schemas.openxmlformats.org/drawingml/2006/main" xmlns:r="http://schemas.openxmlformats.org/officeDocument/2006/relationships" xmlns:p="http://schemas.openxmlformats.org/presentationml/2006/main">
-  <p:tag name="RS_CLASSIFICATION" val="COMPANY RESTRICTED"/>
+  <p:tag name="RS_CLASSIFICATION" val=" "/>
 </p:tagLst>
 </file>
 
 <file path=ppt/tags/tag9.xml><?xml version="1.0" encoding="utf-8"?>
 <p:tagLst xmlns:a="http://schemas.openxmlformats.org/drawingml/2006/main" xmlns:r="http://schemas.openxmlformats.org/officeDocument/2006/relationships" xmlns:p="http://schemas.openxmlformats.org/presentationml/2006/main">
-  <p:tag name="RS_CLASSIFICATION" val="COMPANY RESTRICTED"/>
+  <p:tag name="RS_CLASSIFICATION" val=" "/>
 </p:tagLst>
 </file>
 
